--- a/lessons/2_gender_analyze/ppt/“判断性别”Demo需求分析和初步设计（中）.pptx
+++ b/lessons/2_gender_analyze/ppt/“判断性别”Demo需求分析和初步设计（中）.pptx
@@ -6629,7 +6629,7 @@
         <p:spPr>
           <a:xfrm>
             <a:off x="1768510" y="4659955"/>
-            <a:ext cx="8956298" cy="369332"/>
+            <a:ext cx="5262979" cy="646331"/>
           </a:xfrm>
           <a:prstGeom prst="rect">
             <a:avLst/>
@@ -6644,7 +6644,14 @@
           <a:p>
             <a:r>
               <a:rPr kumimoji="1" lang="zh-CN" altLang="en-US" dirty="0"/>
-              <a:t>从输入层开始，依次传入每层，得到每层的输出并且最后传到输出层，得到最后的输出</a:t>
+              <a:t>从输入层开始，依次传入每层，得到每层的输出；</a:t>
+            </a:r>
+            <a:endParaRPr kumimoji="1" lang="en-US" altLang="zh-CN" dirty="0"/>
+          </a:p>
+          <a:p>
+            <a:r>
+              <a:rPr kumimoji="1" lang="zh-CN" altLang="en-US" dirty="0"/>
+              <a:t>最后传到输出层，得到最后的输出</a:t>
             </a:r>
           </a:p>
         </p:txBody>
@@ -6696,6 +6703,25 @@
         <p:txBody>
           <a:bodyPr/>
           <a:lstStyle/>
+          <a:p>
+            <a:pPr marL="285750" indent="-285750">
+              <a:buFont typeface="Arial" panose="020B0604020202020204" pitchFamily="34" charset="0"/>
+              <a:buChar char="•"/>
+            </a:pPr>
+            <a:r>
+              <a:rPr lang="zh-CN" altLang="en-US" dirty="0"/>
+              <a:t>请修改神经元代码，提出神经元的前向传播</a:t>
+            </a:r>
+            <a:r>
+              <a:rPr lang="en-US" altLang="zh-CN" dirty="0"/>
+              <a:t>forward</a:t>
+            </a:r>
+            <a:r>
+              <a:rPr lang="zh-CN" altLang="en-US"/>
+              <a:t>函数？</a:t>
+            </a:r>
+            <a:endParaRPr lang="en-US" altLang="zh-CN" dirty="0"/>
+          </a:p>
           <a:p>
             <a:pPr marL="285750" indent="-285750">
               <a:buFont typeface="Arial" panose="020B0604020202020204" pitchFamily="34" charset="0"/>
@@ -6856,7 +6882,56 @@
                                         <p:tgtEl>
                                           <p:spTgt spid="2">
                                             <p:txEl>
-                                              <p:pRg st="2" end="2"/>
+                                              <p:pRg st="1" end="1"/>
+                                            </p:txEl>
+                                          </p:spTgt>
+                                        </p:tgtEl>
+                                        <p:attrNameLst>
+                                          <p:attrName>style.visibility</p:attrName>
+                                        </p:attrNameLst>
+                                      </p:cBhvr>
+                                      <p:to>
+                                        <p:strVal val="visible"/>
+                                      </p:to>
+                                    </p:set>
+                                  </p:childTnLst>
+                                </p:cTn>
+                              </p:par>
+                            </p:childTnLst>
+                          </p:cTn>
+                        </p:par>
+                      </p:childTnLst>
+                    </p:cTn>
+                  </p:par>
+                  <p:par>
+                    <p:cTn id="11" fill="hold">
+                      <p:stCondLst>
+                        <p:cond delay="indefinite"/>
+                      </p:stCondLst>
+                      <p:childTnLst>
+                        <p:par>
+                          <p:cTn id="12" fill="hold">
+                            <p:stCondLst>
+                              <p:cond delay="0"/>
+                            </p:stCondLst>
+                            <p:childTnLst>
+                              <p:par>
+                                <p:cTn id="13" presetID="1" presetClass="entr" presetSubtype="0" fill="hold" grpId="0" nodeType="clickEffect">
+                                  <p:stCondLst>
+                                    <p:cond delay="0"/>
+                                  </p:stCondLst>
+                                  <p:childTnLst>
+                                    <p:set>
+                                      <p:cBhvr>
+                                        <p:cTn id="14" dur="1" fill="hold">
+                                          <p:stCondLst>
+                                            <p:cond delay="0"/>
+                                          </p:stCondLst>
+                                        </p:cTn>
+                                        <p:tgtEl>
+                                          <p:spTgt spid="2">
+                                            <p:txEl>
+                                              <p:pRg st="3" end="3"/>
                                             </p:txEl>
                                           </p:spTgt>
                                         </p:tgtEl>
@@ -6992,7 +7067,7 @@
               <a:buChar char="•"/>
             </a:pPr>
             <a:r>
-              <a:rPr lang="en-US"/>
+              <a:rPr lang="en-US" dirty="0" err="1"/>
               <a:t>请回答所有主问题</a:t>
             </a:r>
             <a:r>
@@ -8329,7 +8404,7 @@
         </p:nvSpPr>
         <p:spPr>
           <a:xfrm>
-            <a:off x="3717891" y="2873829"/>
+            <a:off x="3778181" y="3429000"/>
             <a:ext cx="6802734" cy="646331"/>
           </a:xfrm>
           <a:prstGeom prst="rect">
@@ -8376,11 +8451,252 @@
           <a:p>
             <a:r>
               <a:rPr kumimoji="1" lang="zh-CN" altLang="en-US" dirty="0"/>
-              <a:t>激活函数不变；</a:t>
-            </a:r>
-          </a:p>
-        </p:txBody>
-      </p:sp>
+              <a:t>激活函数不变</a:t>
+            </a:r>
+          </a:p>
+        </p:txBody>
+      </p:sp>
+      <mc:AlternateContent xmlns:mc="http://schemas.openxmlformats.org/markup-compatibility/2006">
+        <mc:Choice xmlns:a14="http://schemas.microsoft.com/office/drawing/2010/main" Requires="a14">
+          <p:sp>
+            <p:nvSpPr>
+              <p:cNvPr id="4" name="文本框 3">
+                <a:extLst>
+                  <a:ext uri="{FF2B5EF4-FFF2-40B4-BE49-F238E27FC236}">
+                    <a16:creationId xmlns:a16="http://schemas.microsoft.com/office/drawing/2014/main" id="{62B5E18C-77F1-F09A-304A-20C9D7541AF1}"/>
+                  </a:ext>
+                </a:extLst>
+              </p:cNvPr>
+              <p:cNvSpPr txBox="1"/>
+              <p:nvPr/>
+            </p:nvSpPr>
+            <p:spPr>
+              <a:xfrm>
+                <a:off x="6096000" y="2382321"/>
+                <a:ext cx="3207050" cy="646331"/>
+              </a:xfrm>
+              <a:prstGeom prst="rect">
+                <a:avLst/>
+              </a:prstGeom>
+              <a:noFill/>
+            </p:spPr>
+            <p:txBody>
+              <a:bodyPr wrap="square" rtlCol="0">
+                <a:spAutoFit/>
+              </a:bodyPr>
+              <a:lstStyle/>
+              <a:p>
+                <a:pPr/>
+                <a14:m>
+                  <m:oMathPara xmlns:m="http://schemas.openxmlformats.org/officeDocument/2006/math">
+                    <m:oMathParaPr>
+                      <m:jc m:val="centerGroup"/>
+                    </m:oMathParaPr>
+                    <m:oMath xmlns:m="http://schemas.openxmlformats.org/officeDocument/2006/math">
+                      <m:r>
+                        <a:rPr lang="en-US" altLang="zh-CN" i="1" smtClean="0">
+                          <a:latin typeface="Cambria Math" panose="02040503050406030204" pitchFamily="18" charset="0"/>
+                        </a:rPr>
+                        <m:t>𝑦</m:t>
+                      </m:r>
+                      <m:r>
+                        <a:rPr lang="en-US" altLang="zh-CN" i="1" smtClean="0">
+                          <a:latin typeface="Cambria Math" panose="02040503050406030204" pitchFamily="18" charset="0"/>
+                        </a:rPr>
+                        <m:t>=</m:t>
+                      </m:r>
+                      <m:r>
+                        <a:rPr lang="en-US" altLang="zh-CN" i="1" smtClean="0">
+                          <a:latin typeface="Cambria Math" panose="02040503050406030204" pitchFamily="18" charset="0"/>
+                        </a:rPr>
+                        <m:t>𝑓</m:t>
+                      </m:r>
+                      <m:r>
+                        <a:rPr lang="en-US" altLang="zh-CN" i="1" smtClean="0">
+                          <a:latin typeface="Cambria Math" panose="02040503050406030204" pitchFamily="18" charset="0"/>
+                        </a:rPr>
+                        <m:t>(</m:t>
+                      </m:r>
+                      <m:sSub>
+                        <m:sSubPr>
+                          <m:ctrlPr>
+                            <a:rPr lang="en-US" altLang="zh-CN" i="1" smtClean="0">
+                              <a:latin typeface="Cambria Math" panose="02040503050406030204" pitchFamily="18" charset="0"/>
+                            </a:rPr>
+                          </m:ctrlPr>
+                        </m:sSubPr>
+                        <m:e>
+                          <m:r>
+                            <a:rPr lang="en-US" altLang="zh-CN" i="1">
+                              <a:latin typeface="Cambria Math" panose="02040503050406030204" pitchFamily="18" charset="0"/>
+                            </a:rPr>
+                            <m:t>𝑥</m:t>
+                          </m:r>
+                        </m:e>
+                        <m:sub>
+                          <m:r>
+                            <a:rPr lang="en-US" altLang="zh-CN" i="1">
+                              <a:latin typeface="Cambria Math" panose="02040503050406030204" pitchFamily="18" charset="0"/>
+                            </a:rPr>
+                            <m:t>1</m:t>
+                          </m:r>
+                        </m:sub>
+                      </m:sSub>
+                      <m:sSub>
+                        <m:sSubPr>
+                          <m:ctrlPr>
+                            <a:rPr lang="en-US" altLang="zh-CN" i="1" smtClean="0">
+                              <a:latin typeface="Cambria Math" panose="02040503050406030204" pitchFamily="18" charset="0"/>
+                            </a:rPr>
+                          </m:ctrlPr>
+                        </m:sSubPr>
+                        <m:e>
+                          <m:r>
+                            <a:rPr lang="en-US" altLang="zh-CN" i="1">
+                              <a:latin typeface="Cambria Math" panose="02040503050406030204" pitchFamily="18" charset="0"/>
+                            </a:rPr>
+                            <m:t>𝑤</m:t>
+                          </m:r>
+                        </m:e>
+                        <m:sub>
+                          <m:r>
+                            <a:rPr lang="en-US" altLang="zh-CN" i="1">
+                              <a:latin typeface="Cambria Math" panose="02040503050406030204" pitchFamily="18" charset="0"/>
+                            </a:rPr>
+                            <m:t>1</m:t>
+                          </m:r>
+                        </m:sub>
+                      </m:sSub>
+                      <m:r>
+                        <a:rPr lang="en-US" altLang="zh-CN" i="1" smtClean="0">
+                          <a:latin typeface="Cambria Math" panose="02040503050406030204" pitchFamily="18" charset="0"/>
+                        </a:rPr>
+                        <m:t>+ </m:t>
+                      </m:r>
+                      <m:sSub>
+                        <m:sSubPr>
+                          <m:ctrlPr>
+                            <a:rPr lang="en-US" altLang="zh-CN" i="1" smtClean="0">
+                              <a:latin typeface="Cambria Math" panose="02040503050406030204" pitchFamily="18" charset="0"/>
+                            </a:rPr>
+                          </m:ctrlPr>
+                        </m:sSubPr>
+                        <m:e>
+                          <m:r>
+                            <a:rPr lang="en-US" altLang="zh-CN" i="1">
+                              <a:latin typeface="Cambria Math" panose="02040503050406030204" pitchFamily="18" charset="0"/>
+                            </a:rPr>
+                            <m:t>𝑥</m:t>
+                          </m:r>
+                        </m:e>
+                        <m:sub>
+                          <m:r>
+                            <a:rPr lang="en-US" altLang="zh-CN" i="1">
+                              <a:latin typeface="Cambria Math" panose="02040503050406030204" pitchFamily="18" charset="0"/>
+                            </a:rPr>
+                            <m:t>2</m:t>
+                          </m:r>
+                        </m:sub>
+                      </m:sSub>
+                      <m:sSub>
+                        <m:sSubPr>
+                          <m:ctrlPr>
+                            <a:rPr lang="en-US" altLang="zh-CN" i="1" smtClean="0">
+                              <a:latin typeface="Cambria Math" panose="02040503050406030204" pitchFamily="18" charset="0"/>
+                            </a:rPr>
+                          </m:ctrlPr>
+                        </m:sSubPr>
+                        <m:e>
+                          <m:r>
+                            <a:rPr lang="en-US" altLang="zh-CN" i="1">
+                              <a:latin typeface="Cambria Math" panose="02040503050406030204" pitchFamily="18" charset="0"/>
+                            </a:rPr>
+                            <m:t>𝑤</m:t>
+                          </m:r>
+                        </m:e>
+                        <m:sub>
+                          <m:r>
+                            <a:rPr lang="en-US" altLang="zh-CN" i="1">
+                              <a:latin typeface="Cambria Math" panose="02040503050406030204" pitchFamily="18" charset="0"/>
+                            </a:rPr>
+                            <m:t>2</m:t>
+                          </m:r>
+                        </m:sub>
+                      </m:sSub>
+                      <m:r>
+                        <a:rPr lang="en-US" altLang="zh-CN" b="0" i="1" smtClean="0">
+                          <a:latin typeface="Cambria Math" panose="02040503050406030204" pitchFamily="18" charset="0"/>
+                        </a:rPr>
+                        <m:t>+</m:t>
+                      </m:r>
+                      <m:r>
+                        <a:rPr lang="en-US" altLang="zh-CN" b="0" i="1" smtClean="0">
+                          <a:latin typeface="Cambria Math" panose="02040503050406030204" pitchFamily="18" charset="0"/>
+                        </a:rPr>
+                        <m:t>𝑏</m:t>
+                      </m:r>
+                      <m:r>
+                        <a:rPr lang="en-US" altLang="zh-CN" i="1" smtClean="0">
+                          <a:latin typeface="Cambria Math" panose="02040503050406030204" pitchFamily="18" charset="0"/>
+                        </a:rPr>
+                        <m:t>)</m:t>
+                      </m:r>
+                    </m:oMath>
+                  </m:oMathPara>
+                </a14:m>
+                <a:endParaRPr lang="en-US" altLang="zh-CN" dirty="0"/>
+              </a:p>
+              <a:p>
+                <a:endParaRPr kumimoji="1" lang="zh-CN" altLang="en-US" dirty="0"/>
+              </a:p>
+            </p:txBody>
+          </p:sp>
+        </mc:Choice>
+        <mc:Fallback>
+          <p:sp>
+            <p:nvSpPr>
+              <p:cNvPr id="4" name="文本框 3">
+                <a:extLst>
+                  <a:ext uri="{FF2B5EF4-FFF2-40B4-BE49-F238E27FC236}">
+                    <a16:creationId xmlns:a16="http://schemas.microsoft.com/office/drawing/2014/main" id="{62B5E18C-77F1-F09A-304A-20C9D7541AF1}"/>
+                  </a:ext>
+                </a:extLst>
+              </p:cNvPr>
+              <p:cNvSpPr txBox="1">
+                <a:spLocks noRot="1" noChangeAspect="1" noMove="1" noResize="1" noEditPoints="1" noAdjustHandles="1" noChangeArrowheads="1" noChangeShapeType="1" noTextEdit="1"/>
+              </p:cNvSpPr>
+              <p:nvPr/>
+            </p:nvSpPr>
+            <p:spPr>
+              <a:xfrm>
+                <a:off x="6096000" y="2382321"/>
+                <a:ext cx="3207050" cy="646331"/>
+              </a:xfrm>
+              <a:prstGeom prst="rect">
+                <a:avLst/>
+              </a:prstGeom>
+              <a:blipFill>
+                <a:blip r:embed="rId3"/>
+                <a:stretch>
+                  <a:fillRect/>
+                </a:stretch>
+              </a:blipFill>
+            </p:spPr>
+            <p:txBody>
+              <a:bodyPr/>
+              <a:lstStyle/>
+              <a:p>
+                <a:r>
+                  <a:rPr lang="zh-CN" altLang="en-US">
+                    <a:noFill/>
+                  </a:rPr>
+                  <a:t> </a:t>
+                </a:r>
+              </a:p>
+            </p:txBody>
+          </p:sp>
+        </mc:Fallback>
+      </mc:AlternateContent>
     </p:spTree>
     <p:custDataLst>
       <p:tags r:id="rId1"/>
@@ -8442,6 +8758,51 @@
                       </p:childTnLst>
                     </p:cTn>
                   </p:par>
+                  <p:par>
+                    <p:cTn id="7" fill="hold">
+                      <p:stCondLst>
+                        <p:cond delay="indefinite"/>
+                      </p:stCondLst>
+                      <p:childTnLst>
+                        <p:par>
+                          <p:cTn id="8" fill="hold">
+                            <p:stCondLst>
+                              <p:cond delay="0"/>
+                            </p:stCondLst>
+                            <p:childTnLst>
+                              <p:par>
+                                <p:cTn id="9" presetID="1" presetClass="entr" presetSubtype="0" fill="hold" grpId="0" nodeType="clickEffect">
+                                  <p:stCondLst>
+                                    <p:cond delay="0"/>
+                                  </p:stCondLst>
+                                  <p:childTnLst>
+                                    <p:set>
+                                      <p:cBhvr>
+                                        <p:cTn id="10" dur="1" fill="hold">
+                                          <p:stCondLst>
+                                            <p:cond delay="0"/>
+                                          </p:stCondLst>
+                                        </p:cTn>
+                                        <p:tgtEl>
+                                          <p:spTgt spid="4"/>
+                                        </p:tgtEl>
+                                        <p:attrNameLst>
+                                          <p:attrName>style.visibility</p:attrName>
+                                        </p:attrNameLst>
+                                      </p:cBhvr>
+                                      <p:to>
+                                        <p:strVal val="visible"/>
+                                      </p:to>
+                                    </p:set>
+                                  </p:childTnLst>
+                                </p:cTn>
+                              </p:par>
+                            </p:childTnLst>
+                          </p:cTn>
+                        </p:par>
+                      </p:childTnLst>
+                    </p:cTn>
+                  </p:par>
                 </p:childTnLst>
               </p:cTn>
               <p:prevCondLst>
@@ -8465,6 +8826,7 @@
     </p:tnLst>
     <p:bldLst>
       <p:bldP spid="6" grpId="0"/>
+      <p:bldP spid="4" grpId="0"/>
     </p:bldLst>
   </p:timing>
 </p:sld>
@@ -8532,7 +8894,7 @@
               <a:rPr lang="zh-CN" altLang="en-US" dirty="0">
                 <a:sym typeface="+mn-ea"/>
               </a:rPr>
-              <a:t>应该如何扩展，才能求出一组解（一组权重、偏移）？</a:t>
+              <a:t>如何扩展，才能有解？</a:t>
             </a:r>
             <a:endParaRPr lang="en-US" altLang="zh-CN" dirty="0">
               <a:sym typeface="+mn-ea"/>
@@ -8807,7 +9169,7 @@
             </a:pPr>
             <a:r>
               <a:rPr lang="en-US" dirty="0" err="1"/>
-              <a:t>如何设计一个最简单的神经网络</a:t>
+              <a:t>请设计一个最简单的神经网络</a:t>
             </a:r>
             <a:r>
               <a:rPr lang="zh-CN" altLang="en-US" dirty="0"/>
@@ -8827,6 +9189,17 @@
             <a:r>
               <a:rPr lang="zh-CN" altLang="en-US" dirty="0"/>
               <a:t>？</a:t>
+            </a:r>
+            <a:endParaRPr lang="en-US" altLang="zh-CN" dirty="0"/>
+          </a:p>
+          <a:p>
+            <a:pPr marL="285750" indent="-285750">
+              <a:buFont typeface="Arial" panose="020B0604020202020204" pitchFamily="34" charset="0"/>
+              <a:buChar char="•"/>
+            </a:pPr>
+            <a:r>
+              <a:rPr lang="zh-CN" altLang="en-US" dirty="0"/>
+              <a:t>现在有几个未知解？能够有解了吗？</a:t>
             </a:r>
             <a:endParaRPr lang="en-US" dirty="0"/>
           </a:p>

--- a/lessons/2_gender_analyze/ppt/“判断性别”Demo需求分析和初步设计（中）.pptx
+++ b/lessons/2_gender_analyze/ppt/“判断性别”Demo需求分析和初步设计（中）.pptx
@@ -5,10 +5,10 @@
     <p:sldMasterId id="2147483648" r:id="rId1"/>
   </p:sldMasterIdLst>
   <p:notesMasterIdLst>
-    <p:notesMasterId r:id="rId20"/>
+    <p:notesMasterId r:id="rId19"/>
   </p:notesMasterIdLst>
   <p:handoutMasterIdLst>
-    <p:handoutMasterId r:id="rId21"/>
+    <p:handoutMasterId r:id="rId20"/>
   </p:handoutMasterIdLst>
   <p:sldIdLst>
     <p:sldId id="307" r:id="rId2"/>
@@ -27,13 +27,12 @@
     <p:sldId id="996" r:id="rId15"/>
     <p:sldId id="997" r:id="rId16"/>
     <p:sldId id="998" r:id="rId17"/>
-    <p:sldId id="1006" r:id="rId18"/>
-    <p:sldId id="653" r:id="rId19"/>
+    <p:sldId id="653" r:id="rId18"/>
   </p:sldIdLst>
   <p:sldSz cx="12192000" cy="6858000"/>
   <p:notesSz cx="6858000" cy="9144000"/>
   <p:custDataLst>
-    <p:tags r:id="rId22"/>
+    <p:tags r:id="rId21"/>
   </p:custDataLst>
   <p:defaultTextStyle>
     <a:defPPr>
@@ -6502,11 +6501,19 @@
             </a:r>
             <a:r>
               <a:rPr lang="en-US" altLang="zh-CN" dirty="0" err="1"/>
-              <a:t>根据输入层的输入计算输出层的输出</a:t>
+              <a:t>根据输入层的输入</a:t>
             </a:r>
             <a:r>
               <a:rPr lang="zh-CN" altLang="en-US" dirty="0"/>
-              <a:t>”的过程称为前向传播</a:t>
+              <a:t>，最终得到</a:t>
+            </a:r>
+            <a:r>
+              <a:rPr lang="en-US" altLang="zh-CN" dirty="0" err="1"/>
+              <a:t>输出层的输出</a:t>
+            </a:r>
+            <a:r>
+              <a:rPr lang="zh-CN" altLang="en-US" dirty="0"/>
+              <a:t>？”的过程称为前向传播</a:t>
             </a:r>
             <a:endParaRPr lang="en-US" altLang="zh-CN" dirty="0"/>
           </a:p>
@@ -6669,134 +6676,6 @@
   <p:clrMapOvr>
     <a:masterClrMapping/>
   </p:clrMapOvr>
-</p:sld>
-</file>
-
-<file path=ppt/slides/slide11.xml><?xml version="1.0" encoding="utf-8"?>
-<p:sld xmlns:a="http://schemas.openxmlformats.org/drawingml/2006/main" xmlns:r="http://schemas.openxmlformats.org/officeDocument/2006/relationships" xmlns:p="http://schemas.openxmlformats.org/presentationml/2006/main">
-  <p:cSld>
-    <p:spTree>
-      <p:nvGrpSpPr>
-        <p:cNvPr id="1" name=""/>
-        <p:cNvGrpSpPr/>
-        <p:nvPr/>
-      </p:nvGrpSpPr>
-      <p:grpSpPr>
-        <a:xfrm>
-          <a:off x="0" y="0"/>
-          <a:ext cx="0" cy="0"/>
-          <a:chOff x="0" y="0"/>
-          <a:chExt cx="0" cy="0"/>
-        </a:xfrm>
-      </p:grpSpPr>
-      <p:sp>
-        <p:nvSpPr>
-          <p:cNvPr id="2" name="文本占位符 1"/>
-          <p:cNvSpPr>
-            <a:spLocks noGrp="1"/>
-          </p:cNvSpPr>
-          <p:nvPr>
-            <p:ph type="body" idx="1"/>
-          </p:nvPr>
-        </p:nvSpPr>
-        <p:spPr/>
-        <p:txBody>
-          <a:bodyPr/>
-          <a:lstStyle/>
-          <a:p>
-            <a:pPr marL="285750" indent="-285750">
-              <a:buFont typeface="Arial" panose="020B0604020202020204" pitchFamily="34" charset="0"/>
-              <a:buChar char="•"/>
-            </a:pPr>
-            <a:r>
-              <a:rPr lang="zh-CN" altLang="en-US" dirty="0"/>
-              <a:t>请修改神经元代码，提出神经元的前向传播</a:t>
-            </a:r>
-            <a:r>
-              <a:rPr lang="en-US" altLang="zh-CN" dirty="0"/>
-              <a:t>forward</a:t>
-            </a:r>
-            <a:r>
-              <a:rPr lang="zh-CN" altLang="en-US"/>
-              <a:t>函数？</a:t>
-            </a:r>
-            <a:endParaRPr lang="en-US" altLang="zh-CN" dirty="0"/>
-          </a:p>
-          <a:p>
-            <a:pPr marL="285750" indent="-285750">
-              <a:buFont typeface="Arial" panose="020B0604020202020204" pitchFamily="34" charset="0"/>
-              <a:buChar char="•"/>
-            </a:pPr>
-            <a:r>
-              <a:rPr lang="zh-CN" altLang="en-US" dirty="0"/>
-              <a:t>请在神经元代码的基础上，实现神经网络的前向传播和推理（训练函数不用实现）？</a:t>
-            </a:r>
-            <a:endParaRPr lang="en-US" altLang="zh-CN" dirty="0"/>
-          </a:p>
-          <a:p>
-            <a:pPr marL="285750" indent="-285750">
-              <a:buFont typeface="Arial" panose="020B0604020202020204" pitchFamily="34" charset="0"/>
-              <a:buChar char="•"/>
-            </a:pPr>
-            <a:endParaRPr lang="en-US" altLang="zh-CN" dirty="0"/>
-          </a:p>
-          <a:p>
-            <a:pPr marL="285750" indent="-285750">
-              <a:buFont typeface="Arial" panose="020B0604020202020204" pitchFamily="34" charset="0"/>
-              <a:buChar char="•"/>
-            </a:pPr>
-            <a:r>
-              <a:rPr lang="zh-CN" altLang="en-US" dirty="0"/>
-              <a:t>自学、互学、展学</a:t>
-            </a:r>
-            <a:endParaRPr lang="en-US" altLang="zh-CN" dirty="0"/>
-          </a:p>
-          <a:p>
-            <a:pPr marL="285750" indent="-285750">
-              <a:buFont typeface="Arial" panose="020B0604020202020204" pitchFamily="34" charset="0"/>
-              <a:buChar char="•"/>
-            </a:pPr>
-            <a:endParaRPr lang="zh-CN" altLang="en-US" dirty="0"/>
-          </a:p>
-        </p:txBody>
-      </p:sp>
-      <p:sp>
-        <p:nvSpPr>
-          <p:cNvPr id="3" name="标题 2"/>
-          <p:cNvSpPr>
-            <a:spLocks noGrp="1"/>
-          </p:cNvSpPr>
-          <p:nvPr>
-            <p:ph type="title"/>
-          </p:nvPr>
-        </p:nvSpPr>
-        <p:spPr/>
-        <p:txBody>
-          <a:bodyPr/>
-          <a:lstStyle/>
-          <a:p>
-            <a:r>
-              <a:rPr lang="zh-CN" altLang="en-US" dirty="0">
-                <a:sym typeface="+mn-ea"/>
-              </a:rPr>
-              <a:t>任务：用代码实现神经网络</a:t>
-            </a:r>
-          </a:p>
-        </p:txBody>
-      </p:sp>
-    </p:spTree>
-    <p:custDataLst>
-      <p:tags r:id="rId1"/>
-    </p:custDataLst>
-    <p:extLst>
-      <p:ext uri="{BB962C8B-B14F-4D97-AF65-F5344CB8AC3E}">
-        <p14:creationId xmlns:p14="http://schemas.microsoft.com/office/powerpoint/2010/main" val="2780025893"/>
-      </p:ext>
-    </p:extLst>
-  </p:cSld>
-  <p:clrMapOvr>
-    <a:masterClrMapping/>
-  </p:clrMapOvr>
   <p:timing>
     <p:tnLst>
       <p:par>
@@ -6818,7 +6697,7 @@
                             </p:stCondLst>
                             <p:childTnLst>
                               <p:par>
-                                <p:cTn id="5" presetID="1" presetClass="entr" presetSubtype="0" fill="hold" grpId="0" nodeType="clickEffect">
+                                <p:cTn id="5" presetID="1" presetClass="entr" presetSubtype="0" fill="hold" nodeType="clickEffect">
                                   <p:stCondLst>
                                     <p:cond delay="0"/>
                                   </p:stCondLst>
@@ -6831,11 +6710,7 @@
                                           </p:stCondLst>
                                         </p:cTn>
                                         <p:tgtEl>
-                                          <p:spTgt spid="2">
-                                            <p:txEl>
-                                              <p:pRg st="0" end="0"/>
-                                            </p:txEl>
-                                          </p:spTgt>
+                                          <p:spTgt spid="4"/>
                                         </p:tgtEl>
                                         <p:attrNameLst>
                                           <p:attrName>style.visibility</p:attrName>
@@ -6867,7 +6742,7 @@
                             </p:stCondLst>
                             <p:childTnLst>
                               <p:par>
-                                <p:cTn id="9" presetID="1" presetClass="entr" presetSubtype="0" fill="hold" grpId="0" nodeType="clickEffect">
+                                <p:cTn id="9" presetID="1" presetClass="entr" presetSubtype="0" fill="hold" nodeType="clickEffect">
                                   <p:stCondLst>
                                     <p:cond delay="0"/>
                                   </p:stCondLst>
@@ -6929,9 +6804,324 @@
                                           </p:stCondLst>
                                         </p:cTn>
                                         <p:tgtEl>
+                                          <p:spTgt spid="5"/>
+                                        </p:tgtEl>
+                                        <p:attrNameLst>
+                                          <p:attrName>style.visibility</p:attrName>
+                                        </p:attrNameLst>
+                                      </p:cBhvr>
+                                      <p:to>
+                                        <p:strVal val="visible"/>
+                                      </p:to>
+                                    </p:set>
+                                  </p:childTnLst>
+                                </p:cTn>
+                              </p:par>
+                            </p:childTnLst>
+                          </p:cTn>
+                        </p:par>
+                      </p:childTnLst>
+                    </p:cTn>
+                  </p:par>
+                </p:childTnLst>
+              </p:cTn>
+              <p:prevCondLst>
+                <p:cond evt="onPrev" delay="0">
+                  <p:tgtEl>
+                    <p:sldTgt/>
+                  </p:tgtEl>
+                </p:cond>
+              </p:prevCondLst>
+              <p:nextCondLst>
+                <p:cond evt="onNext" delay="0">
+                  <p:tgtEl>
+                    <p:sldTgt/>
+                  </p:tgtEl>
+                </p:cond>
+              </p:nextCondLst>
+            </p:seq>
+          </p:childTnLst>
+        </p:cTn>
+      </p:par>
+    </p:tnLst>
+    <p:bldLst>
+      <p:bldP spid="5" grpId="0"/>
+    </p:bldLst>
+  </p:timing>
+</p:sld>
+</file>
+
+<file path=ppt/slides/slide11.xml><?xml version="1.0" encoding="utf-8"?>
+<p:sld xmlns:a="http://schemas.openxmlformats.org/drawingml/2006/main" xmlns:r="http://schemas.openxmlformats.org/officeDocument/2006/relationships" xmlns:p="http://schemas.openxmlformats.org/presentationml/2006/main">
+  <p:cSld>
+    <p:spTree>
+      <p:nvGrpSpPr>
+        <p:cNvPr id="1" name=""/>
+        <p:cNvGrpSpPr/>
+        <p:nvPr/>
+      </p:nvGrpSpPr>
+      <p:grpSpPr>
+        <a:xfrm>
+          <a:off x="0" y="0"/>
+          <a:ext cx="0" cy="0"/>
+          <a:chOff x="0" y="0"/>
+          <a:chExt cx="0" cy="0"/>
+        </a:xfrm>
+      </p:grpSpPr>
+      <p:sp>
+        <p:nvSpPr>
+          <p:cNvPr id="2" name="文本占位符 1"/>
+          <p:cNvSpPr>
+            <a:spLocks noGrp="1"/>
+          </p:cNvSpPr>
+          <p:nvPr>
+            <p:ph type="body" idx="1"/>
+          </p:nvPr>
+        </p:nvSpPr>
+        <p:spPr/>
+        <p:txBody>
+          <a:bodyPr/>
+          <a:lstStyle/>
+          <a:p>
+            <a:pPr marL="285750" indent="-285750">
+              <a:buFont typeface="Arial" panose="020B0604020202020204" pitchFamily="34" charset="0"/>
+              <a:buChar char="•"/>
+            </a:pPr>
+            <a:r>
+              <a:rPr lang="zh-CN" altLang="en-US" dirty="0"/>
+              <a:t>请修改神经元代码，提出神经元的前向传播</a:t>
+            </a:r>
+            <a:r>
+              <a:rPr lang="en-US" altLang="zh-CN" dirty="0"/>
+              <a:t>forward</a:t>
+            </a:r>
+            <a:r>
+              <a:rPr lang="zh-CN" altLang="en-US" dirty="0"/>
+              <a:t>函数？</a:t>
+            </a:r>
+            <a:endParaRPr lang="en-US" altLang="zh-CN" dirty="0"/>
+          </a:p>
+          <a:p>
+            <a:pPr marL="285750" indent="-285750">
+              <a:buFont typeface="Arial" panose="020B0604020202020204" pitchFamily="34" charset="0"/>
+              <a:buChar char="•"/>
+            </a:pPr>
+            <a:r>
+              <a:rPr lang="zh-CN" altLang="en-US" dirty="0"/>
+              <a:t>请在神经元代码的基础上，实现神经网络的前向传播和推理（训练函数不用实现）？</a:t>
+            </a:r>
+            <a:endParaRPr lang="en-US" altLang="zh-CN" dirty="0"/>
+          </a:p>
+          <a:p>
+            <a:pPr marL="742950" lvl="1" indent="-285750">
+              <a:buFont typeface="Arial" panose="020B0604020202020204" pitchFamily="34" charset="0"/>
+              <a:buChar char="•"/>
+            </a:pPr>
+            <a:r>
+              <a:rPr lang="zh-CN" altLang="en-US" dirty="0"/>
+              <a:t>推理函数需要修改吗？</a:t>
+            </a:r>
+            <a:endParaRPr lang="en-US" altLang="zh-CN" dirty="0"/>
+          </a:p>
+          <a:p>
+            <a:pPr marL="285750" indent="-285750">
+              <a:buFont typeface="Arial" panose="020B0604020202020204" pitchFamily="34" charset="0"/>
+              <a:buChar char="•"/>
+            </a:pPr>
+            <a:endParaRPr lang="en-US" altLang="zh-CN" dirty="0"/>
+          </a:p>
+          <a:p>
+            <a:pPr marL="285750" indent="-285750">
+              <a:buFont typeface="Arial" panose="020B0604020202020204" pitchFamily="34" charset="0"/>
+              <a:buChar char="•"/>
+            </a:pPr>
+            <a:r>
+              <a:rPr lang="zh-CN" altLang="en-US" dirty="0"/>
+              <a:t>自学、互学、展学</a:t>
+            </a:r>
+            <a:endParaRPr lang="en-US" altLang="zh-CN" dirty="0"/>
+          </a:p>
+          <a:p>
+            <a:pPr marL="285750" indent="-285750">
+              <a:buFont typeface="Arial" panose="020B0604020202020204" pitchFamily="34" charset="0"/>
+              <a:buChar char="•"/>
+            </a:pPr>
+            <a:endParaRPr lang="zh-CN" altLang="en-US" dirty="0"/>
+          </a:p>
+        </p:txBody>
+      </p:sp>
+      <p:sp>
+        <p:nvSpPr>
+          <p:cNvPr id="3" name="标题 2"/>
+          <p:cNvSpPr>
+            <a:spLocks noGrp="1"/>
+          </p:cNvSpPr>
+          <p:nvPr>
+            <p:ph type="title"/>
+          </p:nvPr>
+        </p:nvSpPr>
+        <p:spPr/>
+        <p:txBody>
+          <a:bodyPr/>
+          <a:lstStyle/>
+          <a:p>
+            <a:r>
+              <a:rPr lang="zh-CN" altLang="en-US" dirty="0">
+                <a:sym typeface="+mn-ea"/>
+              </a:rPr>
+              <a:t>任务：用代码实现神经网络</a:t>
+            </a:r>
+          </a:p>
+        </p:txBody>
+      </p:sp>
+    </p:spTree>
+    <p:custDataLst>
+      <p:tags r:id="rId1"/>
+    </p:custDataLst>
+    <p:extLst>
+      <p:ext uri="{BB962C8B-B14F-4D97-AF65-F5344CB8AC3E}">
+        <p14:creationId xmlns:p14="http://schemas.microsoft.com/office/powerpoint/2010/main" val="2780025893"/>
+      </p:ext>
+    </p:extLst>
+  </p:cSld>
+  <p:clrMapOvr>
+    <a:masterClrMapping/>
+  </p:clrMapOvr>
+  <p:timing>
+    <p:tnLst>
+      <p:par>
+        <p:cTn id="1" dur="indefinite" restart="never" nodeType="tmRoot">
+          <p:childTnLst>
+            <p:seq concurrent="1" nextAc="seek">
+              <p:cTn id="2" dur="indefinite" nodeType="mainSeq">
+                <p:childTnLst>
+                  <p:par>
+                    <p:cTn id="3" fill="hold">
+                      <p:stCondLst>
+                        <p:cond delay="indefinite"/>
+                      </p:stCondLst>
+                      <p:childTnLst>
+                        <p:par>
+                          <p:cTn id="4" fill="hold">
+                            <p:stCondLst>
+                              <p:cond delay="0"/>
+                            </p:stCondLst>
+                            <p:childTnLst>
+                              <p:par>
+                                <p:cTn id="5" presetID="1" presetClass="entr" presetSubtype="0" fill="hold" nodeType="clickEffect">
+                                  <p:stCondLst>
+                                    <p:cond delay="0"/>
+                                  </p:stCondLst>
+                                  <p:childTnLst>
+                                    <p:set>
+                                      <p:cBhvr>
+                                        <p:cTn id="6" dur="1" fill="hold">
+                                          <p:stCondLst>
+                                            <p:cond delay="0"/>
+                                          </p:stCondLst>
+                                        </p:cTn>
+                                        <p:tgtEl>
                                           <p:spTgt spid="2">
                                             <p:txEl>
-                                              <p:pRg st="3" end="3"/>
+                                              <p:pRg st="0" end="0"/>
+                                            </p:txEl>
+                                          </p:spTgt>
+                                        </p:tgtEl>
+                                        <p:attrNameLst>
+                                          <p:attrName>style.visibility</p:attrName>
+                                        </p:attrNameLst>
+                                      </p:cBhvr>
+                                      <p:to>
+                                        <p:strVal val="visible"/>
+                                      </p:to>
+                                    </p:set>
+                                  </p:childTnLst>
+                                </p:cTn>
+                              </p:par>
+                            </p:childTnLst>
+                          </p:cTn>
+                        </p:par>
+                      </p:childTnLst>
+                    </p:cTn>
+                  </p:par>
+                  <p:par>
+                    <p:cTn id="7" fill="hold">
+                      <p:stCondLst>
+                        <p:cond delay="indefinite"/>
+                      </p:stCondLst>
+                      <p:childTnLst>
+                        <p:par>
+                          <p:cTn id="8" fill="hold">
+                            <p:stCondLst>
+                              <p:cond delay="0"/>
+                            </p:stCondLst>
+                            <p:childTnLst>
+                              <p:par>
+                                <p:cTn id="9" presetID="1" presetClass="entr" presetSubtype="0" fill="hold" nodeType="clickEffect">
+                                  <p:stCondLst>
+                                    <p:cond delay="0"/>
+                                  </p:stCondLst>
+                                  <p:childTnLst>
+                                    <p:set>
+                                      <p:cBhvr>
+                                        <p:cTn id="10" dur="1" fill="hold">
+                                          <p:stCondLst>
+                                            <p:cond delay="0"/>
+                                          </p:stCondLst>
+                                        </p:cTn>
+                                        <p:tgtEl>
+                                          <p:spTgt spid="2">
+                                            <p:txEl>
+                                              <p:pRg st="1" end="1"/>
+                                            </p:txEl>
+                                          </p:spTgt>
+                                        </p:tgtEl>
+                                        <p:attrNameLst>
+                                          <p:attrName>style.visibility</p:attrName>
+                                        </p:attrNameLst>
+                                      </p:cBhvr>
+                                      <p:to>
+                                        <p:strVal val="visible"/>
+                                      </p:to>
+                                    </p:set>
+                                  </p:childTnLst>
+                                </p:cTn>
+                              </p:par>
+                            </p:childTnLst>
+                          </p:cTn>
+                        </p:par>
+                      </p:childTnLst>
+                    </p:cTn>
+                  </p:par>
+                  <p:par>
+                    <p:cTn id="11" fill="hold">
+                      <p:stCondLst>
+                        <p:cond delay="indefinite"/>
+                      </p:stCondLst>
+                      <p:childTnLst>
+                        <p:par>
+                          <p:cTn id="12" fill="hold">
+                            <p:stCondLst>
+                              <p:cond delay="0"/>
+                            </p:stCondLst>
+                            <p:childTnLst>
+                              <p:par>
+                                <p:cTn id="13" presetID="1" presetClass="entr" presetSubtype="0" fill="hold" nodeType="clickEffect">
+                                  <p:stCondLst>
+                                    <p:cond delay="0"/>
+                                  </p:stCondLst>
+                                  <p:childTnLst>
+                                    <p:set>
+                                      <p:cBhvr>
+                                        <p:cTn id="14" dur="1" fill="hold">
+                                          <p:stCondLst>
+                                            <p:cond delay="0"/>
+                                          </p:stCondLst>
+                                        </p:cTn>
+                                        <p:tgtEl>
+                                          <p:spTgt spid="2">
+                                            <p:txEl>
+                                              <p:pRg st="2" end="2"/>
                                             </p:txEl>
                                           </p:spTgt>
                                         </p:tgtEl>
@@ -6973,9 +7163,6 @@
         </p:cTn>
       </p:par>
     </p:tnLst>
-    <p:bldLst>
-      <p:bldP spid="2" grpId="0" build="p"/>
-    </p:bldLst>
   </p:timing>
 </p:sld>
 </file>
@@ -7334,143 +7521,6 @@
               <a:buFont typeface="Arial" panose="020B0604020202020204" pitchFamily="34" charset="0"/>
               <a:buChar char="•"/>
             </a:pPr>
-            <a:r>
-              <a:rPr lang="zh-CN" altLang="en-US" dirty="0">
-                <a:sym typeface="+mn-ea"/>
-              </a:rPr>
-              <a:t>为什么神经元是未知的？</a:t>
-            </a:r>
-            <a:r>
-              <a:rPr lang="en-US" altLang="zh-CN" dirty="0">
-                <a:sym typeface="+mn-ea"/>
-              </a:rPr>
-              <a:t>//</a:t>
-            </a:r>
-            <a:r>
-              <a:rPr lang="zh-CN" altLang="en-US" dirty="0">
-                <a:sym typeface="+mn-ea"/>
-              </a:rPr>
-              <a:t>已知激活函数？</a:t>
-            </a:r>
-            <a:r>
-              <a:rPr lang="en-US" altLang="zh-CN" dirty="0">
-                <a:sym typeface="+mn-ea"/>
-              </a:rPr>
-              <a:t> </a:t>
-            </a:r>
-            <a:r>
-              <a:rPr lang="zh-CN" altLang="en-US" dirty="0">
-                <a:sym typeface="+mn-ea"/>
-              </a:rPr>
-              <a:t>黑箱？</a:t>
-            </a:r>
-            <a:br>
-              <a:rPr lang="en-US" altLang="zh-CN" dirty="0">
-                <a:sym typeface="+mn-ea"/>
-              </a:rPr>
-            </a:br>
-            <a:r>
-              <a:rPr lang="zh-CN" altLang="en-US" dirty="0">
-                <a:sym typeface="+mn-ea"/>
-              </a:rPr>
-              <a:t>神经网络规模大而是黑箱，现在是一个神经元而是白箱</a:t>
-            </a:r>
-            <a:br>
-              <a:rPr lang="en-US" altLang="zh-CN" dirty="0">
-                <a:sym typeface="+mn-ea"/>
-              </a:rPr>
-            </a:br>
-            <a:br>
-              <a:rPr lang="en-US" altLang="zh-CN" dirty="0">
-                <a:sym typeface="+mn-ea"/>
-              </a:rPr>
-            </a:br>
-            <a:r>
-              <a:rPr lang="zh-CN" altLang="en-US" dirty="0">
-                <a:sym typeface="+mn-ea"/>
-              </a:rPr>
-              <a:t>神经元多了，单元 损失函数，修正权重、偏移，得到正确目标值，修正随机，黑箱</a:t>
-            </a:r>
-            <a:br>
-              <a:rPr lang="en-US" altLang="zh-CN" dirty="0">
-                <a:sym typeface="+mn-ea"/>
-              </a:rPr>
-            </a:br>
-            <a:br>
-              <a:rPr lang="en-US" altLang="zh-CN" dirty="0">
-                <a:sym typeface="+mn-ea"/>
-              </a:rPr>
-            </a:br>
-            <a:r>
-              <a:rPr lang="zh-CN" altLang="en-US" dirty="0">
-                <a:sym typeface="+mn-ea"/>
-              </a:rPr>
-              <a:t>修正后是稳定值？</a:t>
-            </a:r>
-            <a:br>
-              <a:rPr lang="en-US" altLang="zh-CN" dirty="0">
-                <a:sym typeface="+mn-ea"/>
-              </a:rPr>
-            </a:br>
-            <a:r>
-              <a:rPr lang="zh-CN" altLang="en-US" dirty="0">
-                <a:sym typeface="+mn-ea"/>
-              </a:rPr>
-              <a:t>趋近值，准确率，</a:t>
-            </a:r>
-            <a:br>
-              <a:rPr lang="en-US" altLang="zh-CN" dirty="0">
-                <a:sym typeface="+mn-ea"/>
-              </a:rPr>
-            </a:br>
-            <a:endParaRPr lang="en-US" altLang="zh-CN" dirty="0">
-              <a:sym typeface="+mn-ea"/>
-            </a:endParaRPr>
-          </a:p>
-          <a:p>
-            <a:pPr marL="285750" indent="-285750">
-              <a:buFont typeface="Arial" panose="020B0604020202020204" pitchFamily="34" charset="0"/>
-              <a:buChar char="•"/>
-            </a:pPr>
-            <a:r>
-              <a:rPr lang="zh-CN" altLang="en-US" dirty="0"/>
-              <a:t>激活函数没什么用？不是在训练中得出？如何确定激活函数？</a:t>
-            </a:r>
-            <a:br>
-              <a:rPr lang="en-US" altLang="zh-CN" dirty="0"/>
-            </a:br>
-            <a:r>
-              <a:rPr lang="zh-CN" altLang="en-US" dirty="0"/>
-              <a:t>非线性模拟</a:t>
-            </a:r>
-            <a:br>
-              <a:rPr lang="en-US" altLang="zh-CN" dirty="0"/>
-            </a:br>
-            <a:br>
-              <a:rPr lang="en-US" altLang="zh-CN" dirty="0"/>
-            </a:br>
-            <a:r>
-              <a:rPr lang="zh-CN" altLang="en-US" dirty="0"/>
-              <a:t>训练前就已经确定了</a:t>
-            </a:r>
-            <a:br>
-              <a:rPr lang="en-US" altLang="zh-CN" dirty="0"/>
-            </a:br>
-            <a:r>
-              <a:rPr lang="zh-CN" altLang="en-US" dirty="0"/>
-              <a:t>根据模型？</a:t>
-            </a:r>
-            <a:endParaRPr lang="en-US" altLang="zh-CN" dirty="0"/>
-          </a:p>
-          <a:p>
-            <a:pPr marL="285750" indent="-285750">
-              <a:buFont typeface="Arial" panose="020B0604020202020204" pitchFamily="34" charset="0"/>
-              <a:buChar char="•"/>
-            </a:pPr>
-            <a:r>
-              <a:rPr lang="zh-CN" altLang="en-US" dirty="0"/>
-              <a:t>神经网络神经元激活函数都不同？</a:t>
-            </a:r>
             <a:endParaRPr lang="en-US" altLang="zh-CN" dirty="0"/>
           </a:p>
         </p:txBody>
@@ -7509,127 +7559,6 @@
 </file>
 
 <file path=ppt/slides/slide17.xml><?xml version="1.0" encoding="utf-8"?>
-<p:sld xmlns:a="http://schemas.openxmlformats.org/drawingml/2006/main" xmlns:r="http://schemas.openxmlformats.org/officeDocument/2006/relationships" xmlns:p="http://schemas.openxmlformats.org/presentationml/2006/main">
-  <p:cSld>
-    <p:spTree>
-      <p:nvGrpSpPr>
-        <p:cNvPr id="1" name=""/>
-        <p:cNvGrpSpPr/>
-        <p:nvPr/>
-      </p:nvGrpSpPr>
-      <p:grpSpPr>
-        <a:xfrm>
-          <a:off x="0" y="0"/>
-          <a:ext cx="0" cy="0"/>
-          <a:chOff x="0" y="0"/>
-          <a:chExt cx="0" cy="0"/>
-        </a:xfrm>
-      </p:grpSpPr>
-      <p:sp>
-        <p:nvSpPr>
-          <p:cNvPr id="2" name="文本占位符 1"/>
-          <p:cNvSpPr>
-            <a:spLocks noGrp="1"/>
-          </p:cNvSpPr>
-          <p:nvPr>
-            <p:ph type="body" idx="1"/>
-          </p:nvPr>
-        </p:nvSpPr>
-        <p:spPr/>
-        <p:txBody>
-          <a:bodyPr/>
-          <a:lstStyle/>
-          <a:p>
-            <a:pPr marL="285750" indent="-285750">
-              <a:buFont typeface="Arial" panose="020B0604020202020204" pitchFamily="34" charset="0"/>
-              <a:buChar char="•"/>
-            </a:pPr>
-            <a:r>
-              <a:rPr lang="zh-CN" altLang="en-US" dirty="0"/>
-              <a:t>如何确定权重？</a:t>
-            </a:r>
-            <a:br>
-              <a:rPr lang="en-US" altLang="zh-CN" dirty="0"/>
-            </a:br>
-            <a:r>
-              <a:rPr lang="zh-CN" altLang="en-US" dirty="0"/>
-              <a:t>批量试？</a:t>
-            </a:r>
-            <a:br>
-              <a:rPr lang="en-US" altLang="zh-CN" dirty="0"/>
-            </a:br>
-            <a:r>
-              <a:rPr lang="zh-CN" altLang="en-US" dirty="0"/>
-              <a:t>数学优化？</a:t>
-            </a:r>
-            <a:endParaRPr lang="en-US" altLang="zh-CN" dirty="0"/>
-          </a:p>
-          <a:p>
-            <a:pPr marL="285750" indent="-285750">
-              <a:buFont typeface="Arial" panose="020B0604020202020204" pitchFamily="34" charset="0"/>
-              <a:buChar char="•"/>
-            </a:pPr>
-            <a:r>
-              <a:rPr lang="zh-CN" altLang="en-US" dirty="0"/>
-              <a:t>单一神经元构建神经网络？</a:t>
-            </a:r>
-            <a:endParaRPr lang="en-US" altLang="zh-CN" dirty="0"/>
-          </a:p>
-          <a:p>
-            <a:pPr marL="285750" indent="-285750">
-              <a:buFont typeface="Arial" panose="020B0604020202020204" pitchFamily="34" charset="0"/>
-              <a:buChar char="•"/>
-            </a:pPr>
-            <a:r>
-              <a:rPr lang="zh-CN" altLang="en-US" dirty="0"/>
-              <a:t>不同层级网络，损失函数如何作用</a:t>
-            </a:r>
-            <a:r>
-              <a:rPr lang="en-US" altLang="zh-CN" dirty="0"/>
-              <a:t>?</a:t>
-            </a:r>
-          </a:p>
-        </p:txBody>
-      </p:sp>
-      <p:sp>
-        <p:nvSpPr>
-          <p:cNvPr id="3" name="标题 2"/>
-          <p:cNvSpPr>
-            <a:spLocks noGrp="1"/>
-          </p:cNvSpPr>
-          <p:nvPr>
-            <p:ph type="title"/>
-          </p:nvPr>
-        </p:nvSpPr>
-        <p:spPr/>
-        <p:txBody>
-          <a:bodyPr/>
-          <a:lstStyle/>
-          <a:p>
-            <a:r>
-              <a:rPr lang="zh-CN" altLang="en-US"/>
-              <a:t>问答</a:t>
-            </a:r>
-          </a:p>
-        </p:txBody>
-      </p:sp>
-    </p:spTree>
-    <p:custDataLst>
-      <p:tags r:id="rId1"/>
-    </p:custDataLst>
-    <p:extLst>
-      <p:ext uri="{BB962C8B-B14F-4D97-AF65-F5344CB8AC3E}">
-        <p14:creationId xmlns:p14="http://schemas.microsoft.com/office/powerpoint/2010/main" val="259674666"/>
-      </p:ext>
-    </p:extLst>
-  </p:cSld>
-  <p:clrMapOvr>
-    <a:masterClrMapping/>
-  </p:clrMapOvr>
-</p:sld>
-</file>
-
-<file path=ppt/slides/slide18.xml><?xml version="1.0" encoding="utf-8"?>
 <p:sld xmlns:a="http://schemas.openxmlformats.org/drawingml/2006/main" xmlns:r="http://schemas.openxmlformats.org/officeDocument/2006/relationships" xmlns:p="http://schemas.openxmlformats.org/presentationml/2006/main">
   <p:cSld>
     <p:spTree>
@@ -7763,7 +7692,32 @@
               <a:buFont typeface="Arial" panose="020B0604020202020204" pitchFamily="34" charset="0"/>
               <a:buChar char="•"/>
             </a:pPr>
-            <a:endParaRPr lang="zh-CN" altLang="en-US" dirty="0"/>
+            <a:r>
+              <a:rPr lang="zh-CN" altLang="en-US" dirty="0"/>
+              <a:t>回顾相关课程内容</a:t>
+            </a:r>
+            <a:endParaRPr lang="en-US" altLang="zh-CN" dirty="0"/>
+          </a:p>
+          <a:p>
+            <a:pPr marL="285750" indent="-285750">
+              <a:buFont typeface="Arial" panose="020B0604020202020204" pitchFamily="34" charset="0"/>
+              <a:buChar char="•"/>
+            </a:pPr>
+            <a:r>
+              <a:rPr lang="zh-CN" altLang="en-US" dirty="0"/>
+              <a:t>主问题：什么是神经网络</a:t>
+            </a:r>
+            <a:endParaRPr lang="en-US" altLang="zh-CN" dirty="0"/>
+          </a:p>
+          <a:p>
+            <a:pPr marL="285750" indent="-285750">
+              <a:buFont typeface="Arial" panose="020B0604020202020204" pitchFamily="34" charset="0"/>
+              <a:buChar char="•"/>
+            </a:pPr>
+            <a:r>
+              <a:rPr lang="zh-CN" altLang="en-US" dirty="0"/>
+              <a:t>主问题：什么是前向传播</a:t>
+            </a:r>
           </a:p>
         </p:txBody>
       </p:sp>
@@ -7818,15 +7772,10 @@
                             </p:stCondLst>
                             <p:childTnLst>
                               <p:par>
-                                <p:cTn id="5" presetID="1" presetClass="entr" presetSubtype="0" fill="hold" nodeType="clickEffect" nodePh="1">
+                                <p:cTn id="5" presetID="1" presetClass="entr" presetSubtype="0" fill="hold" nodeType="clickEffect">
                                   <p:stCondLst>
                                     <p:cond delay="0"/>
                                   </p:stCondLst>
-                                  <p:endCondLst>
-                                    <p:cond evt="begin" delay="0">
-                                      <p:tn val="5"/>
-                                    </p:cond>
-                                  </p:endCondLst>
                                   <p:childTnLst>
                                     <p:set>
                                       <p:cBhvr>
@@ -7872,15 +7821,10 @@
                             </p:stCondLst>
                             <p:childTnLst>
                               <p:par>
-                                <p:cTn id="9" presetID="1" presetClass="entr" presetSubtype="0" fill="hold" grpId="0" nodeType="clickEffect" nodePh="1">
+                                <p:cTn id="9" presetID="1" presetClass="entr" presetSubtype="0" fill="hold" nodeType="clickEffect">
                                   <p:stCondLst>
                                     <p:cond delay="0"/>
                                   </p:stCondLst>
-                                  <p:endCondLst>
-                                    <p:cond evt="begin" delay="0">
-                                      <p:tn val="9"/>
-                                    </p:cond>
-                                  </p:endCondLst>
                                   <p:childTnLst>
                                     <p:set>
                                       <p:cBhvr>
@@ -7892,7 +7836,56 @@
                                         <p:tgtEl>
                                           <p:spTgt spid="2">
                                             <p:txEl>
-                                              <p:pRg st="0" end="0"/>
+                                              <p:pRg st="1" end="1"/>
+                                            </p:txEl>
+                                          </p:spTgt>
+                                        </p:tgtEl>
+                                        <p:attrNameLst>
+                                          <p:attrName>style.visibility</p:attrName>
+                                        </p:attrNameLst>
+                                      </p:cBhvr>
+                                      <p:to>
+                                        <p:strVal val="visible"/>
+                                      </p:to>
+                                    </p:set>
+                                  </p:childTnLst>
+                                </p:cTn>
+                              </p:par>
+                            </p:childTnLst>
+                          </p:cTn>
+                        </p:par>
+                      </p:childTnLst>
+                    </p:cTn>
+                  </p:par>
+                  <p:par>
+                    <p:cTn id="11" fill="hold">
+                      <p:stCondLst>
+                        <p:cond delay="indefinite"/>
+                      </p:stCondLst>
+                      <p:childTnLst>
+                        <p:par>
+                          <p:cTn id="12" fill="hold">
+                            <p:stCondLst>
+                              <p:cond delay="0"/>
+                            </p:stCondLst>
+                            <p:childTnLst>
+                              <p:par>
+                                <p:cTn id="13" presetID="1" presetClass="entr" presetSubtype="0" fill="hold" nodeType="clickEffect">
+                                  <p:stCondLst>
+                                    <p:cond delay="0"/>
+                                  </p:stCondLst>
+                                  <p:childTnLst>
+                                    <p:set>
+                                      <p:cBhvr>
+                                        <p:cTn id="14" dur="1" fill="hold">
+                                          <p:stCondLst>
+                                            <p:cond delay="0"/>
+                                          </p:stCondLst>
+                                        </p:cTn>
+                                        <p:tgtEl>
+                                          <p:spTgt spid="2">
+                                            <p:txEl>
+                                              <p:pRg st="2" end="2"/>
                                             </p:txEl>
                                           </p:spTgt>
                                         </p:tgtEl>
@@ -7934,9 +7927,6 @@
         </p:cTn>
       </p:par>
     </p:tnLst>
-    <p:bldLst>
-      <p:bldP spid="2" grpId="0" build="p"/>
-    </p:bldLst>
   </p:timing>
 </p:sld>
 </file>
@@ -7989,24 +7979,24 @@
               <a:rPr lang="zh-CN" altLang="en-US" dirty="0"/>
               <a:t>需求分析和初步设计（上）</a:t>
             </a:r>
-            <a:br>
-              <a:rPr lang="zh-CN" altLang="en-US" dirty="0"/>
-            </a:br>
-            <a:r>
-              <a:rPr lang="en-US" altLang="zh-CN" dirty="0"/>
-              <a:t>- </a:t>
-            </a:r>
+            <a:endParaRPr lang="en-US" altLang="zh-CN" dirty="0"/>
+          </a:p>
+          <a:p>
+            <a:pPr marL="742950" lvl="1" indent="-285750">
+              <a:buFont typeface="Arial" panose="020B0604020202020204" pitchFamily="34" charset="0"/>
+              <a:buChar char="•"/>
+            </a:pPr>
             <a:r>
               <a:rPr lang="zh-CN" altLang="en-US" dirty="0"/>
               <a:t>主问题：什么是神经元？</a:t>
             </a:r>
-            <a:br>
-              <a:rPr lang="en-US" altLang="zh-CN" dirty="0"/>
-            </a:br>
-            <a:r>
-              <a:rPr lang="en-US" altLang="zh-CN" dirty="0"/>
-              <a:t>- </a:t>
-            </a:r>
+            <a:endParaRPr lang="en-US" altLang="zh-CN" dirty="0"/>
+          </a:p>
+          <a:p>
+            <a:pPr marL="742950" lvl="1" indent="-285750">
+              <a:buFont typeface="Arial" panose="020B0604020202020204" pitchFamily="34" charset="0"/>
+              <a:buChar char="•"/>
+            </a:pPr>
             <a:r>
               <a:rPr lang="zh-CN" altLang="en-US" dirty="0"/>
               <a:t>已知一个人的身高为</a:t>
@@ -8027,35 +8017,35 @@
               <a:rPr lang="zh-CN" altLang="en-US" dirty="0"/>
               <a:t>公斤，如何使用神经元得到该人的性别（应该为女性）？</a:t>
             </a:r>
-            <a:br>
-              <a:rPr lang="en-US" altLang="zh-CN" dirty="0"/>
-            </a:br>
-            <a:r>
-              <a:rPr lang="en-US" altLang="zh-CN" dirty="0"/>
-              <a:t>- </a:t>
-            </a:r>
+            <a:endParaRPr lang="en-US" altLang="zh-CN" dirty="0"/>
+          </a:p>
+          <a:p>
+            <a:pPr marL="742950" lvl="1" indent="-285750">
+              <a:buFont typeface="Arial" panose="020B0604020202020204" pitchFamily="34" charset="0"/>
+              <a:buChar char="•"/>
+            </a:pPr>
             <a:r>
               <a:rPr lang="zh-CN" altLang="en-US" dirty="0"/>
               <a:t>什么是训练？</a:t>
             </a:r>
-            <a:br>
-              <a:rPr lang="en-US" altLang="zh-CN" dirty="0"/>
-            </a:br>
-            <a:r>
-              <a:rPr lang="en-US" altLang="zh-CN" dirty="0"/>
-              <a:t>- </a:t>
-            </a:r>
+            <a:endParaRPr lang="en-US" altLang="zh-CN" dirty="0"/>
+          </a:p>
+          <a:p>
+            <a:pPr marL="742950" lvl="1" indent="-285750">
+              <a:buFont typeface="Arial" panose="020B0604020202020204" pitchFamily="34" charset="0"/>
+              <a:buChar char="•"/>
+            </a:pPr>
             <a:r>
               <a:rPr lang="zh-CN" altLang="en-US" dirty="0"/>
               <a:t>什么是推理？</a:t>
             </a:r>
-            <a:br>
-              <a:rPr lang="en-US" altLang="zh-CN" dirty="0"/>
-            </a:br>
-            <a:r>
-              <a:rPr lang="en-US" altLang="zh-CN" dirty="0"/>
-              <a:t>- </a:t>
-            </a:r>
+            <a:endParaRPr lang="en-US" altLang="zh-CN" dirty="0"/>
+          </a:p>
+          <a:p>
+            <a:pPr marL="742950" lvl="1" indent="-285750">
+              <a:buFont typeface="Arial" panose="020B0604020202020204" pitchFamily="34" charset="0"/>
+              <a:buChar char="•"/>
+            </a:pPr>
             <a:r>
               <a:rPr lang="zh-CN" altLang="en-US" dirty="0"/>
               <a:t>展示标准实现代码</a:t>
@@ -8171,6 +8161,251 @@
                                           <p:spTgt spid="2">
                                             <p:txEl>
                                               <p:pRg st="0" end="0"/>
+                                            </p:txEl>
+                                          </p:spTgt>
+                                        </p:tgtEl>
+                                        <p:attrNameLst>
+                                          <p:attrName>style.visibility</p:attrName>
+                                        </p:attrNameLst>
+                                      </p:cBhvr>
+                                      <p:to>
+                                        <p:strVal val="visible"/>
+                                      </p:to>
+                                    </p:set>
+                                  </p:childTnLst>
+                                </p:cTn>
+                              </p:par>
+                            </p:childTnLst>
+                          </p:cTn>
+                        </p:par>
+                      </p:childTnLst>
+                    </p:cTn>
+                  </p:par>
+                  <p:par>
+                    <p:cTn id="7" fill="hold">
+                      <p:stCondLst>
+                        <p:cond delay="indefinite"/>
+                      </p:stCondLst>
+                      <p:childTnLst>
+                        <p:par>
+                          <p:cTn id="8" fill="hold">
+                            <p:stCondLst>
+                              <p:cond delay="0"/>
+                            </p:stCondLst>
+                            <p:childTnLst>
+                              <p:par>
+                                <p:cTn id="9" presetID="1" presetClass="entr" presetSubtype="0" fill="hold" nodeType="clickEffect">
+                                  <p:stCondLst>
+                                    <p:cond delay="0"/>
+                                  </p:stCondLst>
+                                  <p:childTnLst>
+                                    <p:set>
+                                      <p:cBhvr>
+                                        <p:cTn id="10" dur="1" fill="hold">
+                                          <p:stCondLst>
+                                            <p:cond delay="0"/>
+                                          </p:stCondLst>
+                                        </p:cTn>
+                                        <p:tgtEl>
+                                          <p:spTgt spid="2">
+                                            <p:txEl>
+                                              <p:pRg st="1" end="1"/>
+                                            </p:txEl>
+                                          </p:spTgt>
+                                        </p:tgtEl>
+                                        <p:attrNameLst>
+                                          <p:attrName>style.visibility</p:attrName>
+                                        </p:attrNameLst>
+                                      </p:cBhvr>
+                                      <p:to>
+                                        <p:strVal val="visible"/>
+                                      </p:to>
+                                    </p:set>
+                                  </p:childTnLst>
+                                </p:cTn>
+                              </p:par>
+                            </p:childTnLst>
+                          </p:cTn>
+                        </p:par>
+                      </p:childTnLst>
+                    </p:cTn>
+                  </p:par>
+                  <p:par>
+                    <p:cTn id="11" fill="hold">
+                      <p:stCondLst>
+                        <p:cond delay="indefinite"/>
+                      </p:stCondLst>
+                      <p:childTnLst>
+                        <p:par>
+                          <p:cTn id="12" fill="hold">
+                            <p:stCondLst>
+                              <p:cond delay="0"/>
+                            </p:stCondLst>
+                            <p:childTnLst>
+                              <p:par>
+                                <p:cTn id="13" presetID="1" presetClass="entr" presetSubtype="0" fill="hold" nodeType="clickEffect">
+                                  <p:stCondLst>
+                                    <p:cond delay="0"/>
+                                  </p:stCondLst>
+                                  <p:childTnLst>
+                                    <p:set>
+                                      <p:cBhvr>
+                                        <p:cTn id="14" dur="1" fill="hold">
+                                          <p:stCondLst>
+                                            <p:cond delay="0"/>
+                                          </p:stCondLst>
+                                        </p:cTn>
+                                        <p:tgtEl>
+                                          <p:spTgt spid="2">
+                                            <p:txEl>
+                                              <p:pRg st="2" end="2"/>
+                                            </p:txEl>
+                                          </p:spTgt>
+                                        </p:tgtEl>
+                                        <p:attrNameLst>
+                                          <p:attrName>style.visibility</p:attrName>
+                                        </p:attrNameLst>
+                                      </p:cBhvr>
+                                      <p:to>
+                                        <p:strVal val="visible"/>
+                                      </p:to>
+                                    </p:set>
+                                  </p:childTnLst>
+                                </p:cTn>
+                              </p:par>
+                            </p:childTnLst>
+                          </p:cTn>
+                        </p:par>
+                      </p:childTnLst>
+                    </p:cTn>
+                  </p:par>
+                  <p:par>
+                    <p:cTn id="15" fill="hold">
+                      <p:stCondLst>
+                        <p:cond delay="indefinite"/>
+                      </p:stCondLst>
+                      <p:childTnLst>
+                        <p:par>
+                          <p:cTn id="16" fill="hold">
+                            <p:stCondLst>
+                              <p:cond delay="0"/>
+                            </p:stCondLst>
+                            <p:childTnLst>
+                              <p:par>
+                                <p:cTn id="17" presetID="1" presetClass="entr" presetSubtype="0" fill="hold" nodeType="clickEffect">
+                                  <p:stCondLst>
+                                    <p:cond delay="0"/>
+                                  </p:stCondLst>
+                                  <p:childTnLst>
+                                    <p:set>
+                                      <p:cBhvr>
+                                        <p:cTn id="18" dur="1" fill="hold">
+                                          <p:stCondLst>
+                                            <p:cond delay="0"/>
+                                          </p:stCondLst>
+                                        </p:cTn>
+                                        <p:tgtEl>
+                                          <p:spTgt spid="2">
+                                            <p:txEl>
+                                              <p:pRg st="3" end="3"/>
+                                            </p:txEl>
+                                          </p:spTgt>
+                                        </p:tgtEl>
+                                        <p:attrNameLst>
+                                          <p:attrName>style.visibility</p:attrName>
+                                        </p:attrNameLst>
+                                      </p:cBhvr>
+                                      <p:to>
+                                        <p:strVal val="visible"/>
+                                      </p:to>
+                                    </p:set>
+                                  </p:childTnLst>
+                                </p:cTn>
+                              </p:par>
+                            </p:childTnLst>
+                          </p:cTn>
+                        </p:par>
+                      </p:childTnLst>
+                    </p:cTn>
+                  </p:par>
+                  <p:par>
+                    <p:cTn id="19" fill="hold">
+                      <p:stCondLst>
+                        <p:cond delay="indefinite"/>
+                      </p:stCondLst>
+                      <p:childTnLst>
+                        <p:par>
+                          <p:cTn id="20" fill="hold">
+                            <p:stCondLst>
+                              <p:cond delay="0"/>
+                            </p:stCondLst>
+                            <p:childTnLst>
+                              <p:par>
+                                <p:cTn id="21" presetID="1" presetClass="entr" presetSubtype="0" fill="hold" nodeType="clickEffect">
+                                  <p:stCondLst>
+                                    <p:cond delay="0"/>
+                                  </p:stCondLst>
+                                  <p:childTnLst>
+                                    <p:set>
+                                      <p:cBhvr>
+                                        <p:cTn id="22" dur="1" fill="hold">
+                                          <p:stCondLst>
+                                            <p:cond delay="0"/>
+                                          </p:stCondLst>
+                                        </p:cTn>
+                                        <p:tgtEl>
+                                          <p:spTgt spid="2">
+                                            <p:txEl>
+                                              <p:pRg st="4" end="4"/>
+                                            </p:txEl>
+                                          </p:spTgt>
+                                        </p:tgtEl>
+                                        <p:attrNameLst>
+                                          <p:attrName>style.visibility</p:attrName>
+                                        </p:attrNameLst>
+                                      </p:cBhvr>
+                                      <p:to>
+                                        <p:strVal val="visible"/>
+                                      </p:to>
+                                    </p:set>
+                                  </p:childTnLst>
+                                </p:cTn>
+                              </p:par>
+                            </p:childTnLst>
+                          </p:cTn>
+                        </p:par>
+                      </p:childTnLst>
+                    </p:cTn>
+                  </p:par>
+                  <p:par>
+                    <p:cTn id="23" fill="hold">
+                      <p:stCondLst>
+                        <p:cond delay="indefinite"/>
+                      </p:stCondLst>
+                      <p:childTnLst>
+                        <p:par>
+                          <p:cTn id="24" fill="hold">
+                            <p:stCondLst>
+                              <p:cond delay="0"/>
+                            </p:stCondLst>
+                            <p:childTnLst>
+                              <p:par>
+                                <p:cTn id="25" presetID="1" presetClass="entr" presetSubtype="0" fill="hold" nodeType="clickEffect">
+                                  <p:stCondLst>
+                                    <p:cond delay="0"/>
+                                  </p:stCondLst>
+                                  <p:childTnLst>
+                                    <p:set>
+                                      <p:cBhvr>
+                                        <p:cTn id="26" dur="1" fill="hold">
+                                          <p:stCondLst>
+                                            <p:cond delay="0"/>
+                                          </p:stCondLst>
+                                        </p:cTn>
+                                        <p:tgtEl>
+                                          <p:spTgt spid="2">
+                                            <p:txEl>
+                                              <p:pRg st="5" end="5"/>
                                             </p:txEl>
                                           </p:spTgt>
                                         </p:tgtEl>
@@ -8739,7 +8974,405 @@
                                           </p:stCondLst>
                                         </p:cTn>
                                         <p:tgtEl>
+                                          <p:spTgt spid="4"/>
+                                        </p:tgtEl>
+                                        <p:attrNameLst>
+                                          <p:attrName>style.visibility</p:attrName>
+                                        </p:attrNameLst>
+                                      </p:cBhvr>
+                                      <p:to>
+                                        <p:strVal val="visible"/>
+                                      </p:to>
+                                    </p:set>
+                                  </p:childTnLst>
+                                </p:cTn>
+                              </p:par>
+                            </p:childTnLst>
+                          </p:cTn>
+                        </p:par>
+                      </p:childTnLst>
+                    </p:cTn>
+                  </p:par>
+                  <p:par>
+                    <p:cTn id="7" fill="hold">
+                      <p:stCondLst>
+                        <p:cond delay="indefinite"/>
+                      </p:stCondLst>
+                      <p:childTnLst>
+                        <p:par>
+                          <p:cTn id="8" fill="hold">
+                            <p:stCondLst>
+                              <p:cond delay="0"/>
+                            </p:stCondLst>
+                            <p:childTnLst>
+                              <p:par>
+                                <p:cTn id="9" presetID="1" presetClass="entr" presetSubtype="0" fill="hold" nodeType="clickEffect">
+                                  <p:stCondLst>
+                                    <p:cond delay="0"/>
+                                  </p:stCondLst>
+                                  <p:childTnLst>
+                                    <p:set>
+                                      <p:cBhvr>
+                                        <p:cTn id="10" dur="1" fill="hold">
+                                          <p:stCondLst>
+                                            <p:cond delay="0"/>
+                                          </p:stCondLst>
+                                        </p:cTn>
+                                        <p:tgtEl>
+                                          <p:spTgt spid="2">
+                                            <p:txEl>
+                                              <p:pRg st="1" end="1"/>
+                                            </p:txEl>
+                                          </p:spTgt>
+                                        </p:tgtEl>
+                                        <p:attrNameLst>
+                                          <p:attrName>style.visibility</p:attrName>
+                                        </p:attrNameLst>
+                                      </p:cBhvr>
+                                      <p:to>
+                                        <p:strVal val="visible"/>
+                                      </p:to>
+                                    </p:set>
+                                  </p:childTnLst>
+                                </p:cTn>
+                              </p:par>
+                            </p:childTnLst>
+                          </p:cTn>
+                        </p:par>
+                      </p:childTnLst>
+                    </p:cTn>
+                  </p:par>
+                  <p:par>
+                    <p:cTn id="11" fill="hold">
+                      <p:stCondLst>
+                        <p:cond delay="indefinite"/>
+                      </p:stCondLst>
+                      <p:childTnLst>
+                        <p:par>
+                          <p:cTn id="12" fill="hold">
+                            <p:stCondLst>
+                              <p:cond delay="0"/>
+                            </p:stCondLst>
+                            <p:childTnLst>
+                              <p:par>
+                                <p:cTn id="13" presetID="1" presetClass="entr" presetSubtype="0" fill="hold" grpId="0" nodeType="clickEffect">
+                                  <p:stCondLst>
+                                    <p:cond delay="0"/>
+                                  </p:stCondLst>
+                                  <p:childTnLst>
+                                    <p:set>
+                                      <p:cBhvr>
+                                        <p:cTn id="14" dur="1" fill="hold">
+                                          <p:stCondLst>
+                                            <p:cond delay="0"/>
+                                          </p:stCondLst>
+                                        </p:cTn>
+                                        <p:tgtEl>
                                           <p:spTgt spid="6"/>
+                                        </p:tgtEl>
+                                        <p:attrNameLst>
+                                          <p:attrName>style.visibility</p:attrName>
+                                        </p:attrNameLst>
+                                      </p:cBhvr>
+                                      <p:to>
+                                        <p:strVal val="visible"/>
+                                      </p:to>
+                                    </p:set>
+                                  </p:childTnLst>
+                                </p:cTn>
+                              </p:par>
+                            </p:childTnLst>
+                          </p:cTn>
+                        </p:par>
+                      </p:childTnLst>
+                    </p:cTn>
+                  </p:par>
+                </p:childTnLst>
+              </p:cTn>
+              <p:prevCondLst>
+                <p:cond evt="onPrev" delay="0">
+                  <p:tgtEl>
+                    <p:sldTgt/>
+                  </p:tgtEl>
+                </p:cond>
+              </p:prevCondLst>
+              <p:nextCondLst>
+                <p:cond evt="onNext" delay="0">
+                  <p:tgtEl>
+                    <p:sldTgt/>
+                  </p:tgtEl>
+                </p:cond>
+              </p:nextCondLst>
+            </p:seq>
+          </p:childTnLst>
+        </p:cTn>
+      </p:par>
+    </p:tnLst>
+    <p:bldLst>
+      <p:bldP spid="6" grpId="0"/>
+      <p:bldP spid="4" grpId="0"/>
+    </p:bldLst>
+  </p:timing>
+</p:sld>
+</file>
+
+<file path=ppt/slides/slide7.xml><?xml version="1.0" encoding="utf-8"?>
+<p:sld xmlns:a="http://schemas.openxmlformats.org/drawingml/2006/main" xmlns:r="http://schemas.openxmlformats.org/officeDocument/2006/relationships" xmlns:p="http://schemas.openxmlformats.org/presentationml/2006/main">
+  <p:cSld>
+    <p:spTree>
+      <p:nvGrpSpPr>
+        <p:cNvPr id="1" name=""/>
+        <p:cNvGrpSpPr/>
+        <p:nvPr/>
+      </p:nvGrpSpPr>
+      <p:grpSpPr>
+        <a:xfrm>
+          <a:off x="0" y="0"/>
+          <a:ext cx="0" cy="0"/>
+          <a:chOff x="0" y="0"/>
+          <a:chExt cx="0" cy="0"/>
+        </a:xfrm>
+      </p:grpSpPr>
+      <p:sp>
+        <p:nvSpPr>
+          <p:cNvPr id="2" name="文本占位符 1"/>
+          <p:cNvSpPr>
+            <a:spLocks noGrp="1"/>
+          </p:cNvSpPr>
+          <p:nvPr>
+            <p:ph type="body" idx="1"/>
+          </p:nvPr>
+        </p:nvSpPr>
+        <p:spPr/>
+        <p:txBody>
+          <a:bodyPr/>
+          <a:lstStyle/>
+          <a:p>
+            <a:pPr marL="285750" indent="-285750">
+              <a:buFont typeface="Arial" panose="020B0604020202020204" pitchFamily="34" charset="0"/>
+              <a:buChar char="•"/>
+            </a:pPr>
+            <a:r>
+              <a:rPr lang="zh-CN" altLang="en-US" dirty="0"/>
+              <a:t>已知四个人的身高和体重，能否使用神经元得到他们的性别？</a:t>
+            </a:r>
+            <a:endParaRPr lang="en-US" altLang="zh-CN" dirty="0"/>
+          </a:p>
+          <a:p>
+            <a:pPr marL="285750" indent="-285750">
+              <a:buFont typeface="Arial" panose="020B0604020202020204" pitchFamily="34" charset="0"/>
+              <a:buChar char="•"/>
+            </a:pPr>
+            <a:r>
+              <a:rPr lang="zh-CN" altLang="en-US" dirty="0"/>
+              <a:t>为什么？</a:t>
+            </a:r>
+            <a:endParaRPr lang="en-US" altLang="zh-CN" dirty="0"/>
+          </a:p>
+          <a:p>
+            <a:pPr marL="285750" indent="-285750">
+              <a:buFont typeface="Arial" panose="020B0604020202020204" pitchFamily="34" charset="0"/>
+              <a:buChar char="•"/>
+            </a:pPr>
+            <a:r>
+              <a:rPr lang="zh-CN" altLang="en-US" dirty="0">
+                <a:sym typeface="+mn-ea"/>
+              </a:rPr>
+              <a:t>如何扩展，才能有解？</a:t>
+            </a:r>
+            <a:endParaRPr lang="en-US" altLang="zh-CN" dirty="0">
+              <a:sym typeface="+mn-ea"/>
+            </a:endParaRPr>
+          </a:p>
+          <a:p>
+            <a:pPr marL="285750" indent="-285750">
+              <a:buFont typeface="Arial" panose="020B0604020202020204" pitchFamily="34" charset="0"/>
+              <a:buChar char="•"/>
+            </a:pPr>
+            <a:endParaRPr lang="en-US" dirty="0"/>
+          </a:p>
+          <a:p>
+            <a:pPr marL="285750" indent="-285750">
+              <a:buFont typeface="Arial" panose="020B0604020202020204" pitchFamily="34" charset="0"/>
+              <a:buChar char="•"/>
+            </a:pPr>
+            <a:r>
+              <a:rPr lang="zh-CN" altLang="en-US" dirty="0"/>
+              <a:t>自学、互学、展学</a:t>
+            </a:r>
+          </a:p>
+          <a:p>
+            <a:pPr marL="285750" indent="-285750">
+              <a:buFont typeface="Arial" panose="020B0604020202020204" pitchFamily="34" charset="0"/>
+              <a:buChar char="•"/>
+            </a:pPr>
+            <a:endParaRPr dirty="0">
+              <a:sym typeface="+mn-ea"/>
+            </a:endParaRPr>
+          </a:p>
+        </p:txBody>
+      </p:sp>
+      <p:sp>
+        <p:nvSpPr>
+          <p:cNvPr id="3" name="标题 2"/>
+          <p:cNvSpPr>
+            <a:spLocks noGrp="1"/>
+          </p:cNvSpPr>
+          <p:nvPr>
+            <p:ph type="title"/>
+          </p:nvPr>
+        </p:nvSpPr>
+        <p:spPr/>
+        <p:txBody>
+          <a:bodyPr/>
+          <a:lstStyle/>
+          <a:p>
+            <a:r>
+              <a:rPr lang="zh-CN" altLang="en-US" dirty="0"/>
+              <a:t>主问题：什么是神经网络</a:t>
+            </a:r>
+          </a:p>
+        </p:txBody>
+      </p:sp>
+      <p:sp>
+        <p:nvSpPr>
+          <p:cNvPr id="6" name="文本框 5">
+            <a:extLst>
+              <a:ext uri="{FF2B5EF4-FFF2-40B4-BE49-F238E27FC236}">
+                <a16:creationId xmlns:a16="http://schemas.microsoft.com/office/drawing/2014/main" id="{E503E376-C64A-65D3-63D8-37F7FB333BC9}"/>
+              </a:ext>
+            </a:extLst>
+          </p:cNvPr>
+          <p:cNvSpPr txBox="1"/>
+          <p:nvPr/>
+        </p:nvSpPr>
+        <p:spPr>
+          <a:xfrm>
+            <a:off x="3765176" y="4263886"/>
+            <a:ext cx="7666464" cy="369332"/>
+          </a:xfrm>
+          <a:prstGeom prst="rect">
+            <a:avLst/>
+          </a:prstGeom>
+          <a:noFill/>
+        </p:spPr>
+        <p:txBody>
+          <a:bodyPr wrap="square" rtlCol="0">
+            <a:spAutoFit/>
+          </a:bodyPr>
+          <a:lstStyle/>
+          <a:p>
+            <a:r>
+              <a:rPr lang="zh-CN" altLang="en-US" dirty="0"/>
+              <a:t>因为权重、偏移为未知量，总数量为</a:t>
+            </a:r>
+            <a:r>
+              <a:rPr lang="en-US" altLang="zh-CN" dirty="0"/>
+              <a:t>3</a:t>
+            </a:r>
+            <a:r>
+              <a:rPr lang="zh-CN" altLang="en-US" dirty="0"/>
+              <a:t>，小于方程的数量（</a:t>
+            </a:r>
+            <a:r>
+              <a:rPr lang="en-US" altLang="zh-CN" dirty="0"/>
+              <a:t>4</a:t>
+            </a:r>
+            <a:r>
+              <a:rPr lang="zh-CN" altLang="en-US" dirty="0"/>
+              <a:t>），所以无解</a:t>
+            </a:r>
+            <a:endParaRPr kumimoji="1" lang="zh-CN" altLang="en-US" dirty="0"/>
+          </a:p>
+        </p:txBody>
+      </p:sp>
+      <p:sp>
+        <p:nvSpPr>
+          <p:cNvPr id="4" name="文本框 3">
+            <a:extLst>
+              <a:ext uri="{FF2B5EF4-FFF2-40B4-BE49-F238E27FC236}">
+                <a16:creationId xmlns:a16="http://schemas.microsoft.com/office/drawing/2014/main" id="{BCF548B3-4D91-FC33-C44D-2EBC93727D1C}"/>
+              </a:ext>
+            </a:extLst>
+          </p:cNvPr>
+          <p:cNvSpPr txBox="1"/>
+          <p:nvPr/>
+        </p:nvSpPr>
+        <p:spPr>
+          <a:xfrm>
+            <a:off x="4481565" y="5215095"/>
+            <a:ext cx="4365298" cy="369332"/>
+          </a:xfrm>
+          <a:prstGeom prst="rect">
+            <a:avLst/>
+          </a:prstGeom>
+          <a:noFill/>
+        </p:spPr>
+        <p:txBody>
+          <a:bodyPr wrap="none" rtlCol="0">
+            <a:spAutoFit/>
+          </a:bodyPr>
+          <a:lstStyle/>
+          <a:p>
+            <a:r>
+              <a:rPr kumimoji="1" lang="zh-CN" altLang="en-US" dirty="0"/>
+              <a:t>使用神经网络，增加权重、偏移的数量！</a:t>
+            </a:r>
+          </a:p>
+        </p:txBody>
+      </p:sp>
+    </p:spTree>
+    <p:custDataLst>
+      <p:tags r:id="rId1"/>
+    </p:custDataLst>
+    <p:extLst>
+      <p:ext uri="{BB962C8B-B14F-4D97-AF65-F5344CB8AC3E}">
+        <p14:creationId xmlns:p14="http://schemas.microsoft.com/office/powerpoint/2010/main" val="58814959"/>
+      </p:ext>
+    </p:extLst>
+  </p:cSld>
+  <p:clrMapOvr>
+    <a:masterClrMapping/>
+  </p:clrMapOvr>
+  <p:timing>
+    <p:tnLst>
+      <p:par>
+        <p:cTn id="1" dur="indefinite" restart="never" nodeType="tmRoot">
+          <p:childTnLst>
+            <p:seq concurrent="1" nextAc="seek">
+              <p:cTn id="2" dur="indefinite" nodeType="mainSeq">
+                <p:childTnLst>
+                  <p:par>
+                    <p:cTn id="3" fill="hold">
+                      <p:stCondLst>
+                        <p:cond delay="indefinite"/>
+                      </p:stCondLst>
+                      <p:childTnLst>
+                        <p:par>
+                          <p:cTn id="4" fill="hold">
+                            <p:stCondLst>
+                              <p:cond delay="0"/>
+                            </p:stCondLst>
+                            <p:childTnLst>
+                              <p:par>
+                                <p:cTn id="5" presetID="1" presetClass="entr" presetSubtype="0" fill="hold" nodeType="clickEffect">
+                                  <p:stCondLst>
+                                    <p:cond delay="0"/>
+                                  </p:stCondLst>
+                                  <p:childTnLst>
+                                    <p:set>
+                                      <p:cBhvr>
+                                        <p:cTn id="6" dur="1" fill="hold">
+                                          <p:stCondLst>
+                                            <p:cond delay="0"/>
+                                          </p:stCondLst>
+                                        </p:cTn>
+                                        <p:tgtEl>
+                                          <p:spTgt spid="2">
+                                            <p:txEl>
+                                              <p:pRg st="1" end="1"/>
+                                            </p:txEl>
+                                          </p:spTgt>
                                         </p:tgtEl>
                                         <p:attrNameLst>
                                           <p:attrName>style.visibility</p:attrName>
@@ -8779,6 +9412,100 @@
                                     <p:set>
                                       <p:cBhvr>
                                         <p:cTn id="10" dur="1" fill="hold">
+                                          <p:stCondLst>
+                                            <p:cond delay="0"/>
+                                          </p:stCondLst>
+                                        </p:cTn>
+                                        <p:tgtEl>
+                                          <p:spTgt spid="6"/>
+                                        </p:tgtEl>
+                                        <p:attrNameLst>
+                                          <p:attrName>style.visibility</p:attrName>
+                                        </p:attrNameLst>
+                                      </p:cBhvr>
+                                      <p:to>
+                                        <p:strVal val="visible"/>
+                                      </p:to>
+                                    </p:set>
+                                  </p:childTnLst>
+                                </p:cTn>
+                              </p:par>
+                            </p:childTnLst>
+                          </p:cTn>
+                        </p:par>
+                      </p:childTnLst>
+                    </p:cTn>
+                  </p:par>
+                  <p:par>
+                    <p:cTn id="11" fill="hold">
+                      <p:stCondLst>
+                        <p:cond delay="indefinite"/>
+                      </p:stCondLst>
+                      <p:childTnLst>
+                        <p:par>
+                          <p:cTn id="12" fill="hold">
+                            <p:stCondLst>
+                              <p:cond delay="0"/>
+                            </p:stCondLst>
+                            <p:childTnLst>
+                              <p:par>
+                                <p:cTn id="13" presetID="1" presetClass="entr" presetSubtype="0" fill="hold" nodeType="clickEffect">
+                                  <p:stCondLst>
+                                    <p:cond delay="0"/>
+                                  </p:stCondLst>
+                                  <p:childTnLst>
+                                    <p:set>
+                                      <p:cBhvr>
+                                        <p:cTn id="14" dur="1" fill="hold">
+                                          <p:stCondLst>
+                                            <p:cond delay="0"/>
+                                          </p:stCondLst>
+                                        </p:cTn>
+                                        <p:tgtEl>
+                                          <p:spTgt spid="2">
+                                            <p:txEl>
+                                              <p:pRg st="2" end="2"/>
+                                            </p:txEl>
+                                          </p:spTgt>
+                                        </p:tgtEl>
+                                        <p:attrNameLst>
+                                          <p:attrName>style.visibility</p:attrName>
+                                        </p:attrNameLst>
+                                      </p:cBhvr>
+                                      <p:to>
+                                        <p:strVal val="visible"/>
+                                      </p:to>
+                                    </p:set>
+                                  </p:childTnLst>
+                                </p:cTn>
+                              </p:par>
+                            </p:childTnLst>
+                          </p:cTn>
+                        </p:par>
+                      </p:childTnLst>
+                    </p:cTn>
+                  </p:par>
+                  <p:par>
+                    <p:cTn id="15" fill="hold">
+                      <p:stCondLst>
+                        <p:cond delay="indefinite"/>
+                      </p:stCondLst>
+                      <p:childTnLst>
+                        <p:par>
+                          <p:cTn id="16" fill="hold">
+                            <p:stCondLst>
+                              <p:cond delay="0"/>
+                            </p:stCondLst>
+                            <p:childTnLst>
+                              <p:par>
+                                <p:cTn id="17" presetID="1" presetClass="entr" presetSubtype="0" fill="hold" grpId="0" nodeType="clickEffect">
+                                  <p:stCondLst>
+                                    <p:cond delay="0"/>
+                                  </p:stCondLst>
+                                  <p:childTnLst>
+                                    <p:set>
+                                      <p:cBhvr>
+                                        <p:cTn id="18" dur="1" fill="hold">
                                           <p:stCondLst>
                                             <p:cond delay="0"/>
                                           </p:stCondLst>
@@ -8832,305 +9559,6 @@
 </p:sld>
 </file>
 
-<file path=ppt/slides/slide7.xml><?xml version="1.0" encoding="utf-8"?>
-<p:sld xmlns:a="http://schemas.openxmlformats.org/drawingml/2006/main" xmlns:r="http://schemas.openxmlformats.org/officeDocument/2006/relationships" xmlns:p="http://schemas.openxmlformats.org/presentationml/2006/main">
-  <p:cSld>
-    <p:spTree>
-      <p:nvGrpSpPr>
-        <p:cNvPr id="1" name=""/>
-        <p:cNvGrpSpPr/>
-        <p:nvPr/>
-      </p:nvGrpSpPr>
-      <p:grpSpPr>
-        <a:xfrm>
-          <a:off x="0" y="0"/>
-          <a:ext cx="0" cy="0"/>
-          <a:chOff x="0" y="0"/>
-          <a:chExt cx="0" cy="0"/>
-        </a:xfrm>
-      </p:grpSpPr>
-      <p:sp>
-        <p:nvSpPr>
-          <p:cNvPr id="2" name="文本占位符 1"/>
-          <p:cNvSpPr>
-            <a:spLocks noGrp="1"/>
-          </p:cNvSpPr>
-          <p:nvPr>
-            <p:ph type="body" idx="1"/>
-          </p:nvPr>
-        </p:nvSpPr>
-        <p:spPr/>
-        <p:txBody>
-          <a:bodyPr/>
-          <a:lstStyle/>
-          <a:p>
-            <a:pPr marL="285750" indent="-285750">
-              <a:buFont typeface="Arial" panose="020B0604020202020204" pitchFamily="34" charset="0"/>
-              <a:buChar char="•"/>
-            </a:pPr>
-            <a:r>
-              <a:rPr lang="zh-CN" altLang="en-US" dirty="0"/>
-              <a:t>已知四个人的身高和体重，能否使用神经元得到他们的性别？</a:t>
-            </a:r>
-            <a:endParaRPr lang="en-US" altLang="zh-CN" dirty="0"/>
-          </a:p>
-          <a:p>
-            <a:pPr marL="285750" indent="-285750">
-              <a:buFont typeface="Arial" panose="020B0604020202020204" pitchFamily="34" charset="0"/>
-              <a:buChar char="•"/>
-            </a:pPr>
-            <a:r>
-              <a:rPr lang="zh-CN" altLang="en-US" dirty="0"/>
-              <a:t>为什么？</a:t>
-            </a:r>
-            <a:endParaRPr lang="en-US" altLang="zh-CN" dirty="0"/>
-          </a:p>
-          <a:p>
-            <a:pPr marL="285750" indent="-285750">
-              <a:buFont typeface="Arial" panose="020B0604020202020204" pitchFamily="34" charset="0"/>
-              <a:buChar char="•"/>
-            </a:pPr>
-            <a:r>
-              <a:rPr lang="zh-CN" altLang="en-US" dirty="0">
-                <a:sym typeface="+mn-ea"/>
-              </a:rPr>
-              <a:t>如何扩展，才能有解？</a:t>
-            </a:r>
-            <a:endParaRPr lang="en-US" altLang="zh-CN" dirty="0">
-              <a:sym typeface="+mn-ea"/>
-            </a:endParaRPr>
-          </a:p>
-          <a:p>
-            <a:pPr marL="285750" indent="-285750">
-              <a:buFont typeface="Arial" panose="020B0604020202020204" pitchFamily="34" charset="0"/>
-              <a:buChar char="•"/>
-            </a:pPr>
-            <a:endParaRPr lang="en-US" dirty="0"/>
-          </a:p>
-          <a:p>
-            <a:pPr marL="285750" indent="-285750">
-              <a:buFont typeface="Arial" panose="020B0604020202020204" pitchFamily="34" charset="0"/>
-              <a:buChar char="•"/>
-            </a:pPr>
-            <a:r>
-              <a:rPr lang="zh-CN" altLang="en-US" dirty="0"/>
-              <a:t>自学、互学、展学</a:t>
-            </a:r>
-          </a:p>
-          <a:p>
-            <a:pPr marL="285750" indent="-285750">
-              <a:buFont typeface="Arial" panose="020B0604020202020204" pitchFamily="34" charset="0"/>
-              <a:buChar char="•"/>
-            </a:pPr>
-            <a:endParaRPr dirty="0">
-              <a:sym typeface="+mn-ea"/>
-            </a:endParaRPr>
-          </a:p>
-        </p:txBody>
-      </p:sp>
-      <p:sp>
-        <p:nvSpPr>
-          <p:cNvPr id="3" name="标题 2"/>
-          <p:cNvSpPr>
-            <a:spLocks noGrp="1"/>
-          </p:cNvSpPr>
-          <p:nvPr>
-            <p:ph type="title"/>
-          </p:nvPr>
-        </p:nvSpPr>
-        <p:spPr/>
-        <p:txBody>
-          <a:bodyPr/>
-          <a:lstStyle/>
-          <a:p>
-            <a:r>
-              <a:rPr lang="zh-CN" altLang="en-US" dirty="0"/>
-              <a:t>主问题：什么是神经网络</a:t>
-            </a:r>
-          </a:p>
-        </p:txBody>
-      </p:sp>
-      <p:sp>
-        <p:nvSpPr>
-          <p:cNvPr id="6" name="文本框 5">
-            <a:extLst>
-              <a:ext uri="{FF2B5EF4-FFF2-40B4-BE49-F238E27FC236}">
-                <a16:creationId xmlns:a16="http://schemas.microsoft.com/office/drawing/2014/main" id="{E503E376-C64A-65D3-63D8-37F7FB333BC9}"/>
-              </a:ext>
-            </a:extLst>
-          </p:cNvPr>
-          <p:cNvSpPr txBox="1"/>
-          <p:nvPr/>
-        </p:nvSpPr>
-        <p:spPr>
-          <a:xfrm>
-            <a:off x="4628906" y="4263886"/>
-            <a:ext cx="6802734" cy="646331"/>
-          </a:xfrm>
-          <a:prstGeom prst="rect">
-            <a:avLst/>
-          </a:prstGeom>
-          <a:noFill/>
-        </p:spPr>
-        <p:txBody>
-          <a:bodyPr wrap="square" rtlCol="0">
-            <a:spAutoFit/>
-          </a:bodyPr>
-          <a:lstStyle/>
-          <a:p>
-            <a:r>
-              <a:rPr lang="zh-CN" altLang="en-US" dirty="0"/>
-              <a:t>因为权重、偏移为未知量，总数量为</a:t>
-            </a:r>
-            <a:r>
-              <a:rPr lang="en-US" altLang="zh-CN" dirty="0"/>
-              <a:t>3</a:t>
-            </a:r>
-            <a:r>
-              <a:rPr lang="zh-CN" altLang="en-US" dirty="0"/>
-              <a:t>，小于方程的数量（</a:t>
-            </a:r>
-            <a:r>
-              <a:rPr lang="en-US" altLang="zh-CN" dirty="0"/>
-              <a:t>4</a:t>
-            </a:r>
-            <a:r>
-              <a:rPr lang="zh-CN" altLang="en-US" dirty="0"/>
-              <a:t>），所以无解</a:t>
-            </a:r>
-            <a:endParaRPr kumimoji="1" lang="zh-CN" altLang="en-US" dirty="0"/>
-          </a:p>
-        </p:txBody>
-      </p:sp>
-      <p:sp>
-        <p:nvSpPr>
-          <p:cNvPr id="4" name="文本框 3">
-            <a:extLst>
-              <a:ext uri="{FF2B5EF4-FFF2-40B4-BE49-F238E27FC236}">
-                <a16:creationId xmlns:a16="http://schemas.microsoft.com/office/drawing/2014/main" id="{BCF548B3-4D91-FC33-C44D-2EBC93727D1C}"/>
-              </a:ext>
-            </a:extLst>
-          </p:cNvPr>
-          <p:cNvSpPr txBox="1"/>
-          <p:nvPr/>
-        </p:nvSpPr>
-        <p:spPr>
-          <a:xfrm>
-            <a:off x="4481565" y="5215095"/>
-            <a:ext cx="4108817" cy="369332"/>
-          </a:xfrm>
-          <a:prstGeom prst="rect">
-            <a:avLst/>
-          </a:prstGeom>
-          <a:noFill/>
-        </p:spPr>
-        <p:txBody>
-          <a:bodyPr wrap="none" rtlCol="0">
-            <a:spAutoFit/>
-          </a:bodyPr>
-          <a:lstStyle/>
-          <a:p>
-            <a:r>
-              <a:rPr kumimoji="1" lang="zh-CN" altLang="en-US" dirty="0"/>
-              <a:t>使用神经网络，增加权重、偏移数量！</a:t>
-            </a:r>
-          </a:p>
-        </p:txBody>
-      </p:sp>
-    </p:spTree>
-    <p:custDataLst>
-      <p:tags r:id="rId1"/>
-    </p:custDataLst>
-    <p:extLst>
-      <p:ext uri="{BB962C8B-B14F-4D97-AF65-F5344CB8AC3E}">
-        <p14:creationId xmlns:p14="http://schemas.microsoft.com/office/powerpoint/2010/main" val="58814959"/>
-      </p:ext>
-    </p:extLst>
-  </p:cSld>
-  <p:clrMapOvr>
-    <a:masterClrMapping/>
-  </p:clrMapOvr>
-  <p:timing>
-    <p:tnLst>
-      <p:par>
-        <p:cTn id="1" dur="indefinite" restart="never" nodeType="tmRoot">
-          <p:childTnLst>
-            <p:seq concurrent="1" nextAc="seek">
-              <p:cTn id="2" dur="indefinite" nodeType="mainSeq">
-                <p:childTnLst>
-                  <p:par>
-                    <p:cTn id="3" fill="hold">
-                      <p:stCondLst>
-                        <p:cond delay="indefinite"/>
-                      </p:stCondLst>
-                      <p:childTnLst>
-                        <p:par>
-                          <p:cTn id="4" fill="hold">
-                            <p:stCondLst>
-                              <p:cond delay="0"/>
-                            </p:stCondLst>
-                            <p:childTnLst>
-                              <p:par>
-                                <p:cTn id="5" presetID="1" presetClass="entr" presetSubtype="0" fill="hold" grpId="0" nodeType="clickEffect">
-                                  <p:stCondLst>
-                                    <p:cond delay="0"/>
-                                  </p:stCondLst>
-                                  <p:childTnLst>
-                                    <p:set>
-                                      <p:cBhvr>
-                                        <p:cTn id="6" dur="1" fill="hold">
-                                          <p:stCondLst>
-                                            <p:cond delay="0"/>
-                                          </p:stCondLst>
-                                        </p:cTn>
-                                        <p:tgtEl>
-                                          <p:spTgt spid="6"/>
-                                        </p:tgtEl>
-                                        <p:attrNameLst>
-                                          <p:attrName>style.visibility</p:attrName>
-                                        </p:attrNameLst>
-                                      </p:cBhvr>
-                                      <p:to>
-                                        <p:strVal val="visible"/>
-                                      </p:to>
-                                    </p:set>
-                                  </p:childTnLst>
-                                </p:cTn>
-                              </p:par>
-                            </p:childTnLst>
-                          </p:cTn>
-                        </p:par>
-                      </p:childTnLst>
-                    </p:cTn>
-                  </p:par>
-                </p:childTnLst>
-              </p:cTn>
-              <p:prevCondLst>
-                <p:cond evt="onPrev" delay="0">
-                  <p:tgtEl>
-                    <p:sldTgt/>
-                  </p:tgtEl>
-                </p:cond>
-              </p:prevCondLst>
-              <p:nextCondLst>
-                <p:cond evt="onNext" delay="0">
-                  <p:tgtEl>
-                    <p:sldTgt/>
-                  </p:tgtEl>
-                </p:cond>
-              </p:nextCondLst>
-            </p:seq>
-          </p:childTnLst>
-        </p:cTn>
-      </p:par>
-    </p:tnLst>
-    <p:bldLst>
-      <p:bldP spid="6" grpId="0"/>
-    </p:bldLst>
-  </p:timing>
-</p:sld>
-</file>
-
 <file path=ppt/slides/slide8.xml><?xml version="1.0" encoding="utf-8"?>
 <p:sld xmlns:a="http://schemas.openxmlformats.org/drawingml/2006/main" xmlns:r="http://schemas.openxmlformats.org/officeDocument/2006/relationships" xmlns:p="http://schemas.openxmlformats.org/presentationml/2006/main">
   <p:cSld>
@@ -9184,7 +9612,15 @@
             </a:pPr>
             <a:r>
               <a:rPr lang="en-US" dirty="0" err="1"/>
-              <a:t>如何根据输入层的输入计算输出层的输出</a:t>
+              <a:t>如何根据输入层的输入</a:t>
+            </a:r>
+            <a:r>
+              <a:rPr lang="zh-CN" altLang="en-US" dirty="0"/>
+              <a:t>，最终得到</a:t>
+            </a:r>
+            <a:r>
+              <a:rPr lang="en-US" dirty="0" err="1"/>
+              <a:t>输出层的输出</a:t>
             </a:r>
             <a:r>
               <a:rPr lang="zh-CN" altLang="en-US" dirty="0"/>
@@ -9334,6 +9770,224 @@
   <p:clrMapOvr>
     <a:masterClrMapping/>
   </p:clrMapOvr>
+  <p:timing>
+    <p:tnLst>
+      <p:par>
+        <p:cTn id="1" dur="indefinite" restart="never" nodeType="tmRoot">
+          <p:childTnLst>
+            <p:seq concurrent="1" nextAc="seek">
+              <p:cTn id="2" dur="indefinite" nodeType="mainSeq">
+                <p:childTnLst>
+                  <p:par>
+                    <p:cTn id="3" fill="hold">
+                      <p:stCondLst>
+                        <p:cond delay="indefinite"/>
+                      </p:stCondLst>
+                      <p:childTnLst>
+                        <p:par>
+                          <p:cTn id="4" fill="hold">
+                            <p:stCondLst>
+                              <p:cond delay="0"/>
+                            </p:stCondLst>
+                            <p:childTnLst>
+                              <p:par>
+                                <p:cTn id="5" presetID="1" presetClass="entr" presetSubtype="0" fill="hold" nodeType="clickEffect">
+                                  <p:stCondLst>
+                                    <p:cond delay="0"/>
+                                  </p:stCondLst>
+                                  <p:childTnLst>
+                                    <p:set>
+                                      <p:cBhvr>
+                                        <p:cTn id="6" dur="1" fill="hold">
+                                          <p:stCondLst>
+                                            <p:cond delay="0"/>
+                                          </p:stCondLst>
+                                        </p:cTn>
+                                        <p:tgtEl>
+                                          <p:spTgt spid="9"/>
+                                        </p:tgtEl>
+                                        <p:attrNameLst>
+                                          <p:attrName>style.visibility</p:attrName>
+                                        </p:attrNameLst>
+                                      </p:cBhvr>
+                                      <p:to>
+                                        <p:strVal val="visible"/>
+                                      </p:to>
+                                    </p:set>
+                                  </p:childTnLst>
+                                </p:cTn>
+                              </p:par>
+                            </p:childTnLst>
+                          </p:cTn>
+                        </p:par>
+                      </p:childTnLst>
+                    </p:cTn>
+                  </p:par>
+                  <p:par>
+                    <p:cTn id="7" fill="hold">
+                      <p:stCondLst>
+                        <p:cond delay="indefinite"/>
+                      </p:stCondLst>
+                      <p:childTnLst>
+                        <p:par>
+                          <p:cTn id="8" fill="hold">
+                            <p:stCondLst>
+                              <p:cond delay="0"/>
+                            </p:stCondLst>
+                            <p:childTnLst>
+                              <p:par>
+                                <p:cTn id="9" presetID="1" presetClass="entr" presetSubtype="0" fill="hold" nodeType="clickEffect">
+                                  <p:stCondLst>
+                                    <p:cond delay="0"/>
+                                  </p:stCondLst>
+                                  <p:childTnLst>
+                                    <p:set>
+                                      <p:cBhvr>
+                                        <p:cTn id="10" dur="1" fill="hold">
+                                          <p:stCondLst>
+                                            <p:cond delay="0"/>
+                                          </p:stCondLst>
+                                        </p:cTn>
+                                        <p:tgtEl>
+                                          <p:spTgt spid="2">
+                                            <p:txEl>
+                                              <p:pRg st="1" end="1"/>
+                                            </p:txEl>
+                                          </p:spTgt>
+                                        </p:tgtEl>
+                                        <p:attrNameLst>
+                                          <p:attrName>style.visibility</p:attrName>
+                                        </p:attrNameLst>
+                                      </p:cBhvr>
+                                      <p:to>
+                                        <p:strVal val="visible"/>
+                                      </p:to>
+                                    </p:set>
+                                  </p:childTnLst>
+                                </p:cTn>
+                              </p:par>
+                            </p:childTnLst>
+                          </p:cTn>
+                        </p:par>
+                      </p:childTnLst>
+                    </p:cTn>
+                  </p:par>
+                  <p:par>
+                    <p:cTn id="11" fill="hold">
+                      <p:stCondLst>
+                        <p:cond delay="indefinite"/>
+                      </p:stCondLst>
+                      <p:childTnLst>
+                        <p:par>
+                          <p:cTn id="12" fill="hold">
+                            <p:stCondLst>
+                              <p:cond delay="0"/>
+                            </p:stCondLst>
+                            <p:childTnLst>
+                              <p:par>
+                                <p:cTn id="13" presetID="1" presetClass="entr" presetSubtype="0" fill="hold" nodeType="clickEffect">
+                                  <p:stCondLst>
+                                    <p:cond delay="0"/>
+                                  </p:stCondLst>
+                                  <p:childTnLst>
+                                    <p:set>
+                                      <p:cBhvr>
+                                        <p:cTn id="14" dur="1" fill="hold">
+                                          <p:stCondLst>
+                                            <p:cond delay="0"/>
+                                          </p:stCondLst>
+                                        </p:cTn>
+                                        <p:tgtEl>
+                                          <p:spTgt spid="12"/>
+                                        </p:tgtEl>
+                                        <p:attrNameLst>
+                                          <p:attrName>style.visibility</p:attrName>
+                                        </p:attrNameLst>
+                                      </p:cBhvr>
+                                      <p:to>
+                                        <p:strVal val="visible"/>
+                                      </p:to>
+                                    </p:set>
+                                  </p:childTnLst>
+                                </p:cTn>
+                              </p:par>
+                            </p:childTnLst>
+                          </p:cTn>
+                        </p:par>
+                      </p:childTnLst>
+                    </p:cTn>
+                  </p:par>
+                  <p:par>
+                    <p:cTn id="15" fill="hold">
+                      <p:stCondLst>
+                        <p:cond delay="indefinite"/>
+                      </p:stCondLst>
+                      <p:childTnLst>
+                        <p:par>
+                          <p:cTn id="16" fill="hold">
+                            <p:stCondLst>
+                              <p:cond delay="0"/>
+                            </p:stCondLst>
+                            <p:childTnLst>
+                              <p:par>
+                                <p:cTn id="17" presetID="1" presetClass="entr" presetSubtype="0" fill="hold" nodeType="clickEffect">
+                                  <p:stCondLst>
+                                    <p:cond delay="0"/>
+                                  </p:stCondLst>
+                                  <p:childTnLst>
+                                    <p:set>
+                                      <p:cBhvr>
+                                        <p:cTn id="18" dur="1" fill="hold">
+                                          <p:stCondLst>
+                                            <p:cond delay="0"/>
+                                          </p:stCondLst>
+                                        </p:cTn>
+                                        <p:tgtEl>
+                                          <p:spTgt spid="2">
+                                            <p:txEl>
+                                              <p:pRg st="2" end="2"/>
+                                            </p:txEl>
+                                          </p:spTgt>
+                                        </p:tgtEl>
+                                        <p:attrNameLst>
+                                          <p:attrName>style.visibility</p:attrName>
+                                        </p:attrNameLst>
+                                      </p:cBhvr>
+                                      <p:to>
+                                        <p:strVal val="visible"/>
+                                      </p:to>
+                                    </p:set>
+                                  </p:childTnLst>
+                                </p:cTn>
+                              </p:par>
+                            </p:childTnLst>
+                          </p:cTn>
+                        </p:par>
+                      </p:childTnLst>
+                    </p:cTn>
+                  </p:par>
+                </p:childTnLst>
+              </p:cTn>
+              <p:prevCondLst>
+                <p:cond evt="onPrev" delay="0">
+                  <p:tgtEl>
+                    <p:sldTgt/>
+                  </p:tgtEl>
+                </p:cond>
+              </p:prevCondLst>
+              <p:nextCondLst>
+                <p:cond evt="onNext" delay="0">
+                  <p:tgtEl>
+                    <p:sldTgt/>
+                  </p:tgtEl>
+                </p:cond>
+              </p:nextCondLst>
+            </p:seq>
+          </p:childTnLst>
+        </p:cTn>
+      </p:par>
+    </p:tnLst>
+  </p:timing>
 </p:sld>
 </file>
 
@@ -10432,15 +11086,6 @@
 </file>
 
 <file path=ppt/tags/tag86.xml><?xml version="1.0" encoding="utf-8"?>
-<p:tagLst xmlns:a="http://schemas.openxmlformats.org/drawingml/2006/main" xmlns:r="http://schemas.openxmlformats.org/officeDocument/2006/relationships" xmlns:p="http://schemas.openxmlformats.org/presentationml/2006/main">
-  <p:tag name="KSO_WM_BEAUTIFY_FLAG" val="#wm#"/>
-  <p:tag name="KSO_WM_TEMPLATE_CATEGORY" val="custom"/>
-  <p:tag name="KSO_WM_TEMPLATE_INDEX" val="20187308"/>
-  <p:tag name="KSO_WM_SPECIAL_SOURCE" val="bdnull"/>
-</p:tagLst>
-</file>
-
-<file path=ppt/tags/tag87.xml><?xml version="1.0" encoding="utf-8"?>
 <p:tagLst xmlns:a="http://schemas.openxmlformats.org/drawingml/2006/main" xmlns:r="http://schemas.openxmlformats.org/officeDocument/2006/relationships" xmlns:p="http://schemas.openxmlformats.org/presentationml/2006/main">
   <p:tag name="KSO_WM_BEAUTIFY_FLAG" val="#wm#"/>
   <p:tag name="KSO_WM_TEMPLATE_CATEGORY" val="custom"/>

--- a/lessons/2_gender_analyze/ppt/“判断性别”Demo需求分析和初步设计（中）.pptx
+++ b/lessons/2_gender_analyze/ppt/“判断性别”Demo需求分析和初步设计（中）.pptx
@@ -7415,9 +7415,26 @@
           <a:bodyPr/>
           <a:lstStyle/>
           <a:p>
-            <a:pPr>
+            <a:pPr marL="285750" indent="-285750">
               <a:buFont typeface="Arial" panose="020B0604020202020204" pitchFamily="34" charset="0"/>
+              <a:buChar char="•"/>
             </a:pPr>
+            <a:r>
+              <a:rPr lang="zh-CN" altLang="en-US" dirty="0"/>
+              <a:t>第二节课：“判断性别”</a:t>
+            </a:r>
+            <a:r>
+              <a:rPr lang="en-US" altLang="zh-CN" dirty="0"/>
+              <a:t>Demo</a:t>
+            </a:r>
+            <a:r>
+              <a:rPr lang="zh-CN" altLang="en-US" dirty="0"/>
+              <a:t>需求分析和初步</a:t>
+            </a:r>
+            <a:r>
+              <a:rPr lang="zh-CN" altLang="en-US"/>
+              <a:t>设计（下）</a:t>
+            </a:r>
             <a:endParaRPr dirty="0">
               <a:sym typeface="+mn-ea"/>
             </a:endParaRPr>

--- a/lessons/2_gender_analyze/ppt/“判断性别”Demo需求分析和初步设计（中）.pptx
+++ b/lessons/2_gender_analyze/ppt/“判断性别”Demo需求分析和初步设计（中）.pptx
@@ -7429,11 +7429,7 @@
             </a:r>
             <a:r>
               <a:rPr lang="zh-CN" altLang="en-US" dirty="0"/>
-              <a:t>需求分析和初步</a:t>
-            </a:r>
-            <a:r>
-              <a:rPr lang="zh-CN" altLang="en-US"/>
-              <a:t>设计（下）</a:t>
+              <a:t>需求分析和初步设计（下）</a:t>
             </a:r>
             <a:endParaRPr dirty="0">
               <a:sym typeface="+mn-ea"/>
@@ -7538,7 +7534,90 @@
               <a:buFont typeface="Arial" panose="020B0604020202020204" pitchFamily="34" charset="0"/>
               <a:buChar char="•"/>
             </a:pPr>
+            <a:r>
+              <a:rPr lang="zh-CN" altLang="en-US" dirty="0"/>
+              <a:t>神经元和神经网络区别？只有神经网络有层？</a:t>
+            </a:r>
             <a:endParaRPr lang="en-US" altLang="zh-CN" dirty="0"/>
+          </a:p>
+          <a:p>
+            <a:pPr marL="285750" indent="-285750">
+              <a:buFont typeface="Arial" panose="020B0604020202020204" pitchFamily="34" charset="0"/>
+              <a:buChar char="•"/>
+            </a:pPr>
+            <a:r>
+              <a:rPr lang="zh-CN" altLang="en-US" dirty="0"/>
+              <a:t>神经网络为什么分三层？</a:t>
+            </a:r>
+            <a:br>
+              <a:rPr lang="en-US" altLang="zh-CN" dirty="0"/>
+            </a:br>
+            <a:r>
+              <a:rPr lang="zh-CN" altLang="en-US" dirty="0"/>
+              <a:t>最简单</a:t>
+            </a:r>
+            <a:br>
+              <a:rPr lang="en-US" altLang="zh-CN" dirty="0"/>
+            </a:br>
+            <a:r>
+              <a:rPr lang="zh-CN" altLang="en-US" dirty="0"/>
+              <a:t>隐藏层可以只有一个神经元</a:t>
+            </a:r>
+          </a:p>
+          <a:p>
+            <a:pPr marL="285750" indent="-285750">
+              <a:buFont typeface="Arial" panose="020B0604020202020204" pitchFamily="34" charset="0"/>
+              <a:buChar char="•"/>
+            </a:pPr>
+            <a:r>
+              <a:rPr lang="zh-CN" altLang="en-US" dirty="0"/>
+              <a:t>隐藏层能有更多神经元吗？</a:t>
+            </a:r>
+            <a:br>
+              <a:rPr lang="en-US" altLang="zh-CN" dirty="0"/>
+            </a:br>
+            <a:r>
+              <a:rPr lang="zh-CN" altLang="en-US" dirty="0"/>
+              <a:t>可以有多个</a:t>
+            </a:r>
+            <a:br>
+              <a:rPr lang="en-US" altLang="zh-CN" dirty="0"/>
+            </a:br>
+            <a:r>
+              <a:rPr lang="zh-CN" altLang="en-US" dirty="0"/>
+              <a:t>能加快收敛，具体通过实验决定</a:t>
+            </a:r>
+          </a:p>
+          <a:p>
+            <a:pPr marL="285750" indent="-285750">
+              <a:buFont typeface="Arial" panose="020B0604020202020204" pitchFamily="34" charset="0"/>
+              <a:buChar char="•"/>
+            </a:pPr>
+            <a:r>
+              <a:rPr lang="zh-CN" altLang="en-US" dirty="0"/>
+              <a:t>层越多、神经元越多，有什么用？</a:t>
+            </a:r>
+            <a:br>
+              <a:rPr lang="en-US" altLang="zh-CN" dirty="0"/>
+            </a:br>
+            <a:r>
+              <a:rPr lang="zh-CN" altLang="en-US" dirty="0"/>
+              <a:t>虽然导致计算量变大，但是收敛更快</a:t>
+            </a:r>
+          </a:p>
+          <a:p>
+            <a:pPr marL="285750" indent="-285750">
+              <a:buFont typeface="Arial" panose="020B0604020202020204" pitchFamily="34" charset="0"/>
+              <a:buChar char="•"/>
+            </a:pPr>
+            <a:r>
+              <a:rPr lang="zh-CN" altLang="en-US" dirty="0"/>
+              <a:t>如何改进神经网络</a:t>
+            </a:r>
+            <a:r>
+              <a:rPr lang="en-US" altLang="zh-CN" dirty="0"/>
+              <a:t>?</a:t>
+            </a:r>
           </a:p>
         </p:txBody>
       </p:sp>

--- a/lessons/2_gender_analyze/ppt/“判断性别”Demo需求分析和初步设计（中）.pptx
+++ b/lessons/2_gender_analyze/ppt/“判断性别”Demo需求分析和初步设计（中）.pptx
@@ -225,7 +225,7 @@
                 <a:latin typeface="微软雅黑" panose="020B0503020204020204" charset="-122"/>
                 <a:ea typeface="微软雅黑" panose="020B0503020204020204" charset="-122"/>
               </a:rPr>
-              <a:t>2022/8/23</a:t>
+              <a:t>2022/10/30</a:t>
             </a:fld>
             <a:endParaRPr lang="zh-CN" altLang="en-US">
               <a:latin typeface="微软雅黑" panose="020B0503020204020204" charset="-122"/>
@@ -408,7 +408,7 @@
           <a:p>
             <a:fld id="{1AC49D05-6128-4D0D-A32A-06A5E73B386C}" type="datetimeFigureOut">
               <a:rPr lang="zh-CN" altLang="en-US" smtClean="0"/>
-              <a:t>2022/8/23</a:t>
+              <a:t>2022/10/30</a:t>
             </a:fld>
             <a:endParaRPr lang="zh-CN" altLang="en-US"/>
           </a:p>
@@ -1070,7 +1070,7 @@
           <a:p>
             <a:fld id="{9EFD9D74-47D9-4702-A33C-335B63B48DBF}" type="datetimeFigureOut">
               <a:rPr lang="zh-CN" altLang="en-US" smtClean="0"/>
-              <a:t>2022/8/23</a:t>
+              <a:t>2022/10/30</a:t>
             </a:fld>
             <a:endParaRPr lang="zh-CN" altLang="en-US" dirty="0"/>
           </a:p>
@@ -1403,7 +1403,7 @@
           <a:p>
             <a:fld id="{760FBDFE-C587-4B4C-A407-44438C67B59E}" type="datetimeFigureOut">
               <a:rPr lang="zh-CN" altLang="en-US" smtClean="0"/>
-              <a:t>2022/8/23</a:t>
+              <a:t>2022/10/30</a:t>
             </a:fld>
             <a:endParaRPr lang="zh-CN" altLang="en-US"/>
           </a:p>
@@ -1576,7 +1576,7 @@
           <a:p>
             <a:fld id="{9EFD9D74-47D9-4702-A33C-335B63B48DBF}" type="datetimeFigureOut">
               <a:rPr lang="zh-CN" altLang="en-US" smtClean="0"/>
-              <a:t>2022/8/23</a:t>
+              <a:t>2022/10/30</a:t>
             </a:fld>
             <a:endParaRPr lang="zh-CN" altLang="en-US" dirty="0"/>
           </a:p>
@@ -2101,7 +2101,7 @@
           <a:p>
             <a:fld id="{760FBDFE-C587-4B4C-A407-44438C67B59E}" type="datetimeFigureOut">
               <a:rPr lang="zh-CN" altLang="en-US" smtClean="0"/>
-              <a:t>2022/8/23</a:t>
+              <a:t>2022/10/30</a:t>
             </a:fld>
             <a:endParaRPr lang="zh-CN" altLang="en-US"/>
           </a:p>
@@ -2849,7 +2849,7 @@
           <a:p>
             <a:fld id="{760FBDFE-C587-4B4C-A407-44438C67B59E}" type="datetimeFigureOut">
               <a:rPr lang="zh-CN" altLang="en-US" smtClean="0"/>
-              <a:t>2022/8/23</a:t>
+              <a:t>2022/10/30</a:t>
             </a:fld>
             <a:endParaRPr lang="zh-CN" altLang="en-US"/>
           </a:p>
@@ -3015,7 +3015,7 @@
           <a:p>
             <a:fld id="{760FBDFE-C587-4B4C-A407-44438C67B59E}" type="datetimeFigureOut">
               <a:rPr lang="zh-CN" altLang="en-US" smtClean="0"/>
-              <a:t>2022/8/23</a:t>
+              <a:t>2022/10/30</a:t>
             </a:fld>
             <a:endParaRPr lang="zh-CN" altLang="en-US"/>
           </a:p>
@@ -3129,7 +3129,7 @@
           <a:p>
             <a:fld id="{760FBDFE-C587-4B4C-A407-44438C67B59E}" type="datetimeFigureOut">
               <a:rPr lang="zh-CN" altLang="en-US" smtClean="0"/>
-              <a:t>2022/8/23</a:t>
+              <a:t>2022/10/30</a:t>
             </a:fld>
             <a:endParaRPr lang="zh-CN" altLang="en-US"/>
           </a:p>
@@ -3459,7 +3459,7 @@
           <a:p>
             <a:fld id="{9EFD9D74-47D9-4702-A33C-335B63B48DBF}" type="datetimeFigureOut">
               <a:rPr lang="zh-CN" altLang="en-US" smtClean="0"/>
-              <a:t>2022/8/23</a:t>
+              <a:t>2022/10/30</a:t>
             </a:fld>
             <a:endParaRPr lang="zh-CN" altLang="en-US" dirty="0"/>
           </a:p>
@@ -3972,7 +3972,7 @@
           <a:p>
             <a:fld id="{760FBDFE-C587-4B4C-A407-44438C67B59E}" type="datetimeFigureOut">
               <a:rPr lang="zh-CN" altLang="en-US" smtClean="0"/>
-              <a:t>2022/8/23</a:t>
+              <a:t>2022/10/30</a:t>
             </a:fld>
             <a:endParaRPr lang="zh-CN" altLang="en-US"/>
           </a:p>
@@ -4086,7 +4086,7 @@
           <a:p>
             <a:fld id="{760FBDFE-C587-4B4C-A407-44438C67B59E}" type="datetimeFigureOut">
               <a:rPr lang="zh-CN" altLang="en-US" smtClean="0"/>
-              <a:t>2022/8/23</a:t>
+              <a:t>2022/10/30</a:t>
             </a:fld>
             <a:endParaRPr lang="zh-CN" altLang="en-US"/>
           </a:p>
@@ -4374,7 +4374,7 @@
           <a:p>
             <a:fld id="{82F288E0-7875-42C4-84C8-98DBBD3BF4D2}" type="datetimeFigureOut">
               <a:rPr lang="zh-CN" altLang="en-US" smtClean="0"/>
-              <a:t>2022/8/23</a:t>
+              <a:t>2022/10/30</a:t>
             </a:fld>
             <a:endParaRPr lang="zh-CN" altLang="en-US"/>
           </a:p>
@@ -4833,7 +4833,7 @@
           <a:p>
             <a:fld id="{760FBDFE-C587-4B4C-A407-44438C67B59E}" type="datetimeFigureOut">
               <a:rPr lang="zh-CN" altLang="en-US" smtClean="0"/>
-              <a:t>2022/8/23</a:t>
+              <a:t>2022/10/30</a:t>
             </a:fld>
             <a:endParaRPr lang="zh-CN" altLang="en-US"/>
           </a:p>
@@ -5502,7 +5502,7 @@
           <a:p>
             <a:fld id="{9EFD9D74-47D9-4702-A33C-335B63B48DBF}" type="datetimeFigureOut">
               <a:rPr lang="zh-CN" altLang="en-US" smtClean="0"/>
-              <a:t>2022/8/23</a:t>
+              <a:t>2022/10/30</a:t>
             </a:fld>
             <a:endParaRPr lang="zh-CN" altLang="en-US" dirty="0"/>
           </a:p>
@@ -5650,7 +5650,7 @@
           <a:p>
             <a:fld id="{9EFD9D74-47D9-4702-A33C-335B63B48DBF}" type="datetimeFigureOut">
               <a:rPr lang="zh-CN" altLang="en-US" smtClean="0"/>
-              <a:t>2022/8/23</a:t>
+              <a:t>2022/10/30</a:t>
             </a:fld>
             <a:endParaRPr lang="zh-CN" altLang="en-US" dirty="0"/>
           </a:p>
@@ -6585,12 +6585,54 @@
           </a:p>
         </p:txBody>
       </p:sp>
+      <p:sp>
+        <p:nvSpPr>
+          <p:cNvPr id="5" name="文本框 4">
+            <a:extLst>
+              <a:ext uri="{FF2B5EF4-FFF2-40B4-BE49-F238E27FC236}">
+                <a16:creationId xmlns:a16="http://schemas.microsoft.com/office/drawing/2014/main" id="{0C74025D-0F65-958B-59EC-B331331A08C0}"/>
+              </a:ext>
+            </a:extLst>
+          </p:cNvPr>
+          <p:cNvSpPr txBox="1"/>
+          <p:nvPr/>
+        </p:nvSpPr>
+        <p:spPr>
+          <a:xfrm>
+            <a:off x="1768510" y="4659955"/>
+            <a:ext cx="5262979" cy="646331"/>
+          </a:xfrm>
+          <a:prstGeom prst="rect">
+            <a:avLst/>
+          </a:prstGeom>
+          <a:noFill/>
+        </p:spPr>
+        <p:txBody>
+          <a:bodyPr wrap="none" rtlCol="0">
+            <a:spAutoFit/>
+          </a:bodyPr>
+          <a:lstStyle/>
+          <a:p>
+            <a:r>
+              <a:rPr kumimoji="1" lang="zh-CN" altLang="en-US" dirty="0"/>
+              <a:t>从输入层开始，依次传入每层，得到每层的输出；</a:t>
+            </a:r>
+            <a:endParaRPr kumimoji="1" lang="en-US" altLang="zh-CN" dirty="0"/>
+          </a:p>
+          <a:p>
+            <a:r>
+              <a:rPr kumimoji="1" lang="zh-CN" altLang="en-US" dirty="0"/>
+              <a:t>最后传到输出层，得到最后的输出</a:t>
+            </a:r>
+          </a:p>
+        </p:txBody>
+      </p:sp>
       <p:pic>
         <p:nvPicPr>
-          <p:cNvPr id="4" name="图片 3">
+          <p:cNvPr id="6" name="图片 5">
             <a:extLst>
               <a:ext uri="{FF2B5EF4-FFF2-40B4-BE49-F238E27FC236}">
-                <a16:creationId xmlns:a16="http://schemas.microsoft.com/office/drawing/2014/main" id="{9913F841-4311-4E64-7065-82374685A560}"/>
+                <a16:creationId xmlns:a16="http://schemas.microsoft.com/office/drawing/2014/main" id="{3CEE3F8B-6D24-59C4-CC0C-B56690DF5711}"/>
               </a:ext>
             </a:extLst>
           </p:cNvPr>
@@ -6613,56 +6655,14 @@
         </p:blipFill>
         <p:spPr>
           <a:xfrm>
-            <a:off x="5389303" y="2209043"/>
-            <a:ext cx="6256738" cy="2114227"/>
+            <a:off x="5848880" y="2344393"/>
+            <a:ext cx="5467768" cy="1597404"/>
           </a:xfrm>
           <a:prstGeom prst="rect">
             <a:avLst/>
           </a:prstGeom>
         </p:spPr>
       </p:pic>
-      <p:sp>
-        <p:nvSpPr>
-          <p:cNvPr id="5" name="文本框 4">
-            <a:extLst>
-              <a:ext uri="{FF2B5EF4-FFF2-40B4-BE49-F238E27FC236}">
-                <a16:creationId xmlns:a16="http://schemas.microsoft.com/office/drawing/2014/main" id="{0C74025D-0F65-958B-59EC-B331331A08C0}"/>
-              </a:ext>
-            </a:extLst>
-          </p:cNvPr>
-          <p:cNvSpPr txBox="1"/>
-          <p:nvPr/>
-        </p:nvSpPr>
-        <p:spPr>
-          <a:xfrm>
-            <a:off x="1768510" y="4659955"/>
-            <a:ext cx="5262979" cy="646331"/>
-          </a:xfrm>
-          <a:prstGeom prst="rect">
-            <a:avLst/>
-          </a:prstGeom>
-          <a:noFill/>
-        </p:spPr>
-        <p:txBody>
-          <a:bodyPr wrap="none" rtlCol="0">
-            <a:spAutoFit/>
-          </a:bodyPr>
-          <a:lstStyle/>
-          <a:p>
-            <a:r>
-              <a:rPr kumimoji="1" lang="zh-CN" altLang="en-US" dirty="0"/>
-              <a:t>从输入层开始，依次传入每层，得到每层的输出；</a:t>
-            </a:r>
-            <a:endParaRPr kumimoji="1" lang="en-US" altLang="zh-CN" dirty="0"/>
-          </a:p>
-          <a:p>
-            <a:r>
-              <a:rPr kumimoji="1" lang="zh-CN" altLang="en-US" dirty="0"/>
-              <a:t>最后传到输出层，得到最后的输出</a:t>
-            </a:r>
-          </a:p>
-        </p:txBody>
-      </p:sp>
     </p:spTree>
     <p:custDataLst>
       <p:tags r:id="rId1"/>
@@ -6710,7 +6710,7 @@
                                           </p:stCondLst>
                                         </p:cTn>
                                         <p:tgtEl>
-                                          <p:spTgt spid="4"/>
+                                          <p:spTgt spid="6"/>
                                         </p:tgtEl>
                                         <p:attrNameLst>
                                           <p:attrName>style.visibility</p:attrName>
@@ -8787,8 +8787,8 @@
           </a:p>
         </p:txBody>
       </p:sp>
-      <mc:AlternateContent xmlns:mc="http://schemas.openxmlformats.org/markup-compatibility/2006">
-        <mc:Choice xmlns:a14="http://schemas.microsoft.com/office/drawing/2010/main" Requires="a14">
+      <mc:AlternateContent xmlns:mc="http://schemas.openxmlformats.org/markup-compatibility/2006" xmlns:a14="http://schemas.microsoft.com/office/drawing/2010/main">
+        <mc:Choice Requires="a14">
           <p:sp>
             <p:nvSpPr>
               <p:cNvPr id="4" name="文本框 3">
@@ -8983,7 +8983,7 @@
             </p:txBody>
           </p:sp>
         </mc:Choice>
-        <mc:Fallback>
+        <mc:Fallback xmlns="">
           <p:sp>
             <p:nvSpPr>
               <p:cNvPr id="4" name="文本框 3">
@@ -9783,10 +9783,10 @@
       </p:sp>
       <p:pic>
         <p:nvPicPr>
-          <p:cNvPr id="9" name="图片 8">
+          <p:cNvPr id="5" name="图片 4">
             <a:extLst>
               <a:ext uri="{FF2B5EF4-FFF2-40B4-BE49-F238E27FC236}">
-                <a16:creationId xmlns:a16="http://schemas.microsoft.com/office/drawing/2014/main" id="{B3AA50B3-63B2-3622-A07F-1C7D3B2773DE}"/>
+                <a16:creationId xmlns:a16="http://schemas.microsoft.com/office/drawing/2014/main" id="{313CE66B-1F97-E57A-C91E-B5BDDC5E28F9}"/>
               </a:ext>
             </a:extLst>
           </p:cNvPr>
@@ -9809,7 +9809,7 @@
         </p:blipFill>
         <p:spPr>
           <a:xfrm>
-            <a:off x="7394575" y="2338416"/>
+            <a:off x="7511553" y="2409072"/>
             <a:ext cx="4127500" cy="2667000"/>
           </a:xfrm>
           <a:prstGeom prst="rect">
@@ -9819,10 +9819,10 @@
       </p:pic>
       <p:pic>
         <p:nvPicPr>
-          <p:cNvPr id="12" name="图片 11">
+          <p:cNvPr id="7" name="图片 6">
             <a:extLst>
               <a:ext uri="{FF2B5EF4-FFF2-40B4-BE49-F238E27FC236}">
-                <a16:creationId xmlns:a16="http://schemas.microsoft.com/office/drawing/2014/main" id="{7106E96D-0B23-CBE9-B06F-20CB901C9C68}"/>
+                <a16:creationId xmlns:a16="http://schemas.microsoft.com/office/drawing/2014/main" id="{3ADAF908-5B6B-1667-9030-85661CBA49F9}"/>
               </a:ext>
             </a:extLst>
           </p:cNvPr>
@@ -9845,8 +9845,8 @@
         </p:blipFill>
         <p:spPr>
           <a:xfrm>
-            <a:off x="903881" y="3742572"/>
-            <a:ext cx="6256738" cy="2114227"/>
+            <a:off x="1075174" y="4277370"/>
+            <a:ext cx="5467768" cy="1597404"/>
           </a:xfrm>
           <a:prstGeom prst="rect">
             <a:avLst/>
@@ -9900,7 +9900,7 @@
                                           </p:stCondLst>
                                         </p:cTn>
                                         <p:tgtEl>
-                                          <p:spTgt spid="9"/>
+                                          <p:spTgt spid="5"/>
                                         </p:tgtEl>
                                         <p:attrNameLst>
                                           <p:attrName>style.visibility</p:attrName>
@@ -9994,7 +9994,7 @@
                                           </p:stCondLst>
                                         </p:cTn>
                                         <p:tgtEl>
-                                          <p:spTgt spid="12"/>
+                                          <p:spTgt spid="7"/>
                                         </p:tgtEl>
                                         <p:attrNameLst>
                                           <p:attrName>style.visibility</p:attrName>
